--- a/IluminaPairEndReadSimulator presentation.pptx
+++ b/IluminaPairEndReadSimulator presentation.pptx
@@ -110,6 +110,11 @@
       </a:defRPr>
     </a:lvl9pPr>
   </p:defaultTextStyle>
+  <p:extLst>
+    <p:ext uri="{EFAFB233-063F-42B5-8137-9DF3F51BA10A}">
+      <p15:sldGuideLst xmlns:p15="http://schemas.microsoft.com/office/powerpoint/2012/main"/>
+    </p:ext>
+  </p:extLst>
 </p:presentation>
 </file>
 
@@ -301,7 +306,7 @@
           <a:p>
             <a:fld id="{78C57A7E-E9E9-4206-A5A9-4483411B8BE1}" type="datetimeFigureOut">
               <a:rPr lang="en-US" smtClean="0"/>
-              <a:t>4/19/2021</a:t>
+              <a:t>4/20/2021</a:t>
             </a:fld>
             <a:endParaRPr lang="en-US"/>
           </a:p>
@@ -639,7 +644,7 @@
           <a:p>
             <a:fld id="{78C57A7E-E9E9-4206-A5A9-4483411B8BE1}" type="datetimeFigureOut">
               <a:rPr lang="en-US" smtClean="0"/>
-              <a:t>4/19/2021</a:t>
+              <a:t>4/20/2021</a:t>
             </a:fld>
             <a:endParaRPr lang="en-US"/>
           </a:p>
@@ -1040,7 +1045,7 @@
           <a:p>
             <a:fld id="{78C57A7E-E9E9-4206-A5A9-4483411B8BE1}" type="datetimeFigureOut">
               <a:rPr lang="en-US" smtClean="0"/>
-              <a:t>4/19/2021</a:t>
+              <a:t>4/20/2021</a:t>
             </a:fld>
             <a:endParaRPr lang="en-US"/>
           </a:p>
@@ -1376,7 +1381,7 @@
           <a:p>
             <a:fld id="{78C57A7E-E9E9-4206-A5A9-4483411B8BE1}" type="datetimeFigureOut">
               <a:rPr lang="en-US" smtClean="0"/>
-              <a:t>4/19/2021</a:t>
+              <a:t>4/20/2021</a:t>
             </a:fld>
             <a:endParaRPr lang="en-US"/>
           </a:p>
@@ -1696,7 +1701,7 @@
           <a:p>
             <a:fld id="{78C57A7E-E9E9-4206-A5A9-4483411B8BE1}" type="datetimeFigureOut">
               <a:rPr lang="en-US" smtClean="0"/>
-              <a:t>4/19/2021</a:t>
+              <a:t>4/20/2021</a:t>
             </a:fld>
             <a:endParaRPr lang="en-US"/>
           </a:p>
@@ -2092,7 +2097,7 @@
           <a:p>
             <a:fld id="{78C57A7E-E9E9-4206-A5A9-4483411B8BE1}" type="datetimeFigureOut">
               <a:rPr lang="en-US" smtClean="0"/>
-              <a:t>4/19/2021</a:t>
+              <a:t>4/20/2021</a:t>
             </a:fld>
             <a:endParaRPr lang="en-US"/>
           </a:p>
@@ -2349,7 +2354,7 @@
           <a:p>
             <a:fld id="{78C57A7E-E9E9-4206-A5A9-4483411B8BE1}" type="datetimeFigureOut">
               <a:rPr lang="en-US" smtClean="0"/>
-              <a:t>4/19/2021</a:t>
+              <a:t>4/20/2021</a:t>
             </a:fld>
             <a:endParaRPr lang="en-US"/>
           </a:p>
@@ -2611,7 +2616,7 @@
           <a:p>
             <a:fld id="{78C57A7E-E9E9-4206-A5A9-4483411B8BE1}" type="datetimeFigureOut">
               <a:rPr lang="en-US" smtClean="0"/>
-              <a:t>4/19/2021</a:t>
+              <a:t>4/20/2021</a:t>
             </a:fld>
             <a:endParaRPr lang="en-US"/>
           </a:p>
@@ -2873,7 +2878,7 @@
           <a:p>
             <a:fld id="{78C57A7E-E9E9-4206-A5A9-4483411B8BE1}" type="datetimeFigureOut">
               <a:rPr lang="en-US" smtClean="0"/>
-              <a:t>4/19/2021</a:t>
+              <a:t>4/20/2021</a:t>
             </a:fld>
             <a:endParaRPr lang="en-US"/>
           </a:p>
@@ -3202,7 +3207,7 @@
           <a:p>
             <a:fld id="{78C57A7E-E9E9-4206-A5A9-4483411B8BE1}" type="datetimeFigureOut">
               <a:rPr lang="en-US" smtClean="0"/>
-              <a:t>4/19/2021</a:t>
+              <a:t>4/20/2021</a:t>
             </a:fld>
             <a:endParaRPr lang="en-US"/>
           </a:p>
@@ -3525,7 +3530,7 @@
           <a:p>
             <a:fld id="{78C57A7E-E9E9-4206-A5A9-4483411B8BE1}" type="datetimeFigureOut">
               <a:rPr lang="en-US" smtClean="0"/>
-              <a:t>4/19/2021</a:t>
+              <a:t>4/20/2021</a:t>
             </a:fld>
             <a:endParaRPr lang="en-US"/>
           </a:p>
@@ -3982,7 +3987,7 @@
           <a:p>
             <a:fld id="{78C57A7E-E9E9-4206-A5A9-4483411B8BE1}" type="datetimeFigureOut">
               <a:rPr lang="en-US" smtClean="0"/>
-              <a:t>4/19/2021</a:t>
+              <a:t>4/20/2021</a:t>
             </a:fld>
             <a:endParaRPr lang="en-US"/>
           </a:p>
@@ -4187,7 +4192,7 @@
           <a:p>
             <a:fld id="{78C57A7E-E9E9-4206-A5A9-4483411B8BE1}" type="datetimeFigureOut">
               <a:rPr lang="en-US" smtClean="0"/>
-              <a:t>4/19/2021</a:t>
+              <a:t>4/20/2021</a:t>
             </a:fld>
             <a:endParaRPr lang="en-US"/>
           </a:p>
@@ -4364,7 +4369,7 @@
           <a:p>
             <a:fld id="{78C57A7E-E9E9-4206-A5A9-4483411B8BE1}" type="datetimeFigureOut">
               <a:rPr lang="en-US" smtClean="0"/>
-              <a:t>4/19/2021</a:t>
+              <a:t>4/20/2021</a:t>
             </a:fld>
             <a:endParaRPr lang="en-US"/>
           </a:p>
@@ -4697,7 +4702,7 @@
           <a:p>
             <a:fld id="{78C57A7E-E9E9-4206-A5A9-4483411B8BE1}" type="datetimeFigureOut">
               <a:rPr lang="en-US" smtClean="0"/>
-              <a:t>4/19/2021</a:t>
+              <a:t>4/20/2021</a:t>
             </a:fld>
             <a:endParaRPr lang="en-US"/>
           </a:p>
@@ -5042,7 +5047,7 @@
           <a:p>
             <a:fld id="{78C57A7E-E9E9-4206-A5A9-4483411B8BE1}" type="datetimeFigureOut">
               <a:rPr lang="en-US" smtClean="0"/>
-              <a:t>4/19/2021</a:t>
+              <a:t>4/20/2021</a:t>
             </a:fld>
             <a:endParaRPr lang="en-US"/>
           </a:p>
@@ -7159,7 +7164,7 @@
           <a:p>
             <a:fld id="{78C57A7E-E9E9-4206-A5A9-4483411B8BE1}" type="datetimeFigureOut">
               <a:rPr lang="en-US" smtClean="0"/>
-              <a:t>4/19/2021</a:t>
+              <a:t>4/20/2021</a:t>
             </a:fld>
             <a:endParaRPr lang="en-US"/>
           </a:p>
@@ -9717,12 +9722,25 @@
             <p:ph type="title"/>
           </p:nvPr>
         </p:nvSpPr>
-        <p:spPr/>
+        <p:spPr>
+          <a:xfrm>
+            <a:off x="2592925" y="624110"/>
+            <a:ext cx="8911687" cy="769684"/>
+          </a:xfrm>
+        </p:spPr>
         <p:txBody>
           <a:bodyPr/>
           <a:lstStyle/>
           <a:p>
-            <a:endParaRPr lang="en-US"/>
+            <a:r>
+              <a:rPr lang="en-US" dirty="0" err="1"/>
+              <a:t>Obja</a:t>
+            </a:r>
+            <a:r>
+              <a:rPr lang="sr-Latn-RS" dirty="0"/>
+              <a:t>šnjenje našeg simulatora</a:t>
+            </a:r>
+            <a:endParaRPr lang="en-US" dirty="0"/>
           </a:p>
         </p:txBody>
       </p:sp>
@@ -9742,12 +9760,86 @@
             <p:ph idx="1"/>
           </p:nvPr>
         </p:nvSpPr>
-        <p:spPr/>
-        <p:txBody>
-          <a:bodyPr/>
+        <p:spPr>
+          <a:xfrm>
+            <a:off x="2589212" y="1393794"/>
+            <a:ext cx="8911687" cy="4517428"/>
+          </a:xfrm>
+        </p:spPr>
+        <p:txBody>
+          <a:bodyPr>
+            <a:normAutofit/>
+          </a:bodyPr>
           <a:lstStyle/>
           <a:p>
-            <a:endParaRPr lang="en-US"/>
+            <a:r>
+              <a:rPr lang="sr-Latn-RS" dirty="0"/>
+              <a:t>Na ulaz simulatora se dovode sledeće stvari :</a:t>
+            </a:r>
+          </a:p>
+          <a:p>
+            <a:pPr lvl="1"/>
+            <a:r>
+              <a:rPr lang="sr-Latn-RS" dirty="0"/>
+              <a:t>file : referentni genom koji se mora nalaziti u root folderu</a:t>
+            </a:r>
+          </a:p>
+          <a:p>
+            <a:pPr lvl="1"/>
+            <a:r>
+              <a:rPr lang="sr-Latn-RS" dirty="0"/>
+              <a:t>average</a:t>
+            </a:r>
+            <a:r>
+              <a:rPr lang="en-US" dirty="0"/>
+              <a:t>_</a:t>
+            </a:r>
+            <a:r>
+              <a:rPr lang="sr-Latn-RS" dirty="0"/>
+              <a:t>quality : prosečan kvalitet čitanja nukleotida</a:t>
+            </a:r>
+          </a:p>
+          <a:p>
+            <a:pPr lvl="1"/>
+            <a:r>
+              <a:rPr lang="sr-Latn-RS" dirty="0"/>
+              <a:t>coverage : pokrivenost</a:t>
+            </a:r>
+          </a:p>
+          <a:p>
+            <a:pPr lvl="1"/>
+            <a:r>
+              <a:rPr lang="sr-Latn-RS" dirty="0"/>
+              <a:t>read_size : veličina jednog reada</a:t>
+            </a:r>
+          </a:p>
+          <a:p>
+            <a:pPr lvl="1"/>
+            <a:r>
+              <a:rPr lang="sr-Latn-RS" dirty="0"/>
+              <a:t>insert_size : dužina jedne sekvence iz kojeg se izvlače readovi (Mi nemamo adaptere tako da je insert size isti kao dužina fragmenta)</a:t>
+            </a:r>
+          </a:p>
+          <a:p>
+            <a:pPr lvl="1"/>
+            <a:r>
+              <a:rPr lang="sr-Latn-RS" dirty="0"/>
+              <a:t>delete_error_rate : verovatnoća greške brisanja, odnosno uklanjanja nasumičnog nukleotida sa nasumičnog mesta u genomu</a:t>
+            </a:r>
+          </a:p>
+          <a:p>
+            <a:pPr lvl="1"/>
+            <a:r>
+              <a:rPr lang="sr-Latn-RS" dirty="0"/>
+              <a:t>insert_error_rate : verovatnoća greške inserta, odnosno umetanja nasumičnog nukleotida na nasumičnom mestu u genomu</a:t>
+            </a:r>
+          </a:p>
+          <a:p>
+            <a:pPr lvl="1"/>
+            <a:r>
+              <a:rPr lang="sr-Latn-RS" dirty="0"/>
+              <a:t>snv_error_rate : verovatnoća greške da je došlo do single-nucleotid-variant, odnosno promene jednog nukleotida u neki drugi nukleotid u genomu</a:t>
+            </a:r>
           </a:p>
         </p:txBody>
       </p:sp>
@@ -9783,31 +9875,6 @@
       </p:grpSpPr>
       <p:sp>
         <p:nvSpPr>
-          <p:cNvPr id="2" name="Title 1">
-            <a:extLst>
-              <a:ext uri="{FF2B5EF4-FFF2-40B4-BE49-F238E27FC236}">
-                <a16:creationId xmlns:a16="http://schemas.microsoft.com/office/drawing/2014/main" id="{8D619B42-6CFF-44F0-BAED-47167510CD34}"/>
-              </a:ext>
-            </a:extLst>
-          </p:cNvPr>
-          <p:cNvSpPr>
-            <a:spLocks noGrp="1"/>
-          </p:cNvSpPr>
-          <p:nvPr>
-            <p:ph type="title"/>
-          </p:nvPr>
-        </p:nvSpPr>
-        <p:spPr/>
-        <p:txBody>
-          <a:bodyPr/>
-          <a:lstStyle/>
-          <a:p>
-            <a:endParaRPr lang="en-US"/>
-          </a:p>
-        </p:txBody>
-      </p:sp>
-      <p:sp>
-        <p:nvSpPr>
           <p:cNvPr id="3" name="Content Placeholder 2">
             <a:extLst>
               <a:ext uri="{FF2B5EF4-FFF2-40B4-BE49-F238E27FC236}">
@@ -9822,12 +9889,43 @@
             <p:ph idx="1"/>
           </p:nvPr>
         </p:nvSpPr>
-        <p:spPr/>
+        <p:spPr>
+          <a:xfrm>
+            <a:off x="2589212" y="594804"/>
+            <a:ext cx="8915400" cy="5316418"/>
+          </a:xfrm>
+        </p:spPr>
         <p:txBody>
           <a:bodyPr/>
           <a:lstStyle/>
           <a:p>
-            <a:endParaRPr lang="en-US"/>
+            <a:pPr lvl="1"/>
+            <a:r>
+              <a:rPr lang="sr-Latn-RS" dirty="0"/>
+              <a:t>Pri pokretanju simulatora nailazimo na niz provera kako bismo osigurali korektno ponašanje simulatora </a:t>
+            </a:r>
+          </a:p>
+          <a:p>
+            <a:pPr lvl="1"/>
+            <a:r>
+              <a:rPr lang="sr-Latn-RS" dirty="0"/>
+              <a:t>Učitavamo referentni genom iz FASTA file-a</a:t>
+            </a:r>
+          </a:p>
+          <a:p>
+            <a:pPr lvl="1"/>
+            <a:r>
+              <a:rPr lang="sr-Latn-RS" dirty="0"/>
+              <a:t>Broj readova određujemo po formuli : coverage * duzina_ref_genoma/ read_size </a:t>
+            </a:r>
+          </a:p>
+          <a:p>
+            <a:pPr lvl="1"/>
+            <a:r>
+              <a:rPr lang="sr-Latn-RS"/>
+              <a:t>Read1 čitamo sa leva na desno, dok Read2 čitamo s desna na levo</a:t>
+            </a:r>
+            <a:endParaRPr lang="sr-Latn-RS" dirty="0"/>
           </a:p>
         </p:txBody>
       </p:sp>

--- a/IluminaPairEndReadSimulator presentation.pptx
+++ b/IluminaPairEndReadSimulator presentation.pptx
@@ -9916,16 +9916,67 @@
             <a:pPr lvl="1"/>
             <a:r>
               <a:rPr lang="sr-Latn-RS" dirty="0"/>
+              <a:t>U zavisnosti od ulaznih parametara mutiramo genom (insert, delete, snv)</a:t>
+            </a:r>
+          </a:p>
+          <a:p>
+            <a:pPr lvl="1"/>
+            <a:r>
+              <a:rPr lang="sr-Latn-RS" dirty="0"/>
               <a:t>Broj readova određujemo po formuli : coverage * duzina_ref_genoma/ read_size </a:t>
             </a:r>
           </a:p>
           <a:p>
             <a:pPr lvl="1"/>
             <a:r>
+              <a:rPr lang="sr-Latn-RS" dirty="0"/>
+              <a:t>Read1 čitamo sa leva na desno, dok Read2 čitamo s desna na levo</a:t>
+            </a:r>
+          </a:p>
+          <a:p>
+            <a:pPr lvl="1"/>
+            <a:r>
+              <a:rPr lang="sr-Latn-RS" dirty="0"/>
+              <a:t>Read2 se pri učitavanju okreće i komplementira</a:t>
+            </a:r>
+          </a:p>
+          <a:p>
+            <a:pPr lvl="1"/>
+            <a:r>
+              <a:rPr lang="sr-Latn-RS" dirty="0"/>
+              <a:t>Readovi se upisuju u FASTQ file-ove</a:t>
+            </a:r>
+          </a:p>
+          <a:p>
+            <a:pPr lvl="1"/>
+            <a:r>
+              <a:rPr lang="sr-Latn-RS" dirty="0"/>
+              <a:t>Na osnovu readova se formira i SAM file, samo što Read2 mora da se ponovo okrene i komplementira kako bi se dobio validan SAM file. (Naučeno na teži način)</a:t>
+            </a:r>
+          </a:p>
+          <a:p>
+            <a:pPr lvl="1"/>
+            <a:r>
+              <a:rPr lang="sr-Latn-RS" dirty="0"/>
+              <a:t>Nakon formiranja našeg SAM file-a smo na osnovu generisanih FASTQ file-ova formirali SAM file-ove putem BWA-MEM i Bowtie toolova i uporedili sa našim SAM file-om.</a:t>
+            </a:r>
+          </a:p>
+          <a:p>
+            <a:pPr marL="914400" lvl="2" indent="0">
+              <a:buNone/>
+            </a:pPr>
+            <a:r>
+              <a:rPr lang="sr-Latn-RS" dirty="0"/>
+              <a:t>***Disclaimer : Hteli smo da očistimo genom tako što bismo umesto R,Y,K,M,N... </a:t>
+            </a:r>
+            <a:r>
               <a:rPr lang="sr-Latn-RS"/>
-              <a:t>Read1 čitamo sa leva na desno, dok Read2 čitamo s desna na levo</a:t>
-            </a:r>
-            <a:endParaRPr lang="sr-Latn-RS" dirty="0"/>
+              <a:t>uveli </a:t>
+            </a:r>
+            <a:r>
+              <a:rPr lang="sr-Latn-RS" dirty="0"/>
+              <a:t>ATCG sa podjednakim verovatnoćama, ali to nam je ubilo tačnost sa BWA-MEM toolom jer on radi sa N-ovima, a mi bismo na poziciji N-a imali A,T,C ili G</a:t>
+            </a:r>
           </a:p>
         </p:txBody>
       </p:sp>

--- a/IluminaPairEndReadSimulator presentation.pptx
+++ b/IluminaPairEndReadSimulator presentation.pptx
@@ -12,6 +12,13 @@
     <p:sldId id="260" r:id="rId6"/>
     <p:sldId id="261" r:id="rId7"/>
     <p:sldId id="262" r:id="rId8"/>
+    <p:sldId id="263" r:id="rId9"/>
+    <p:sldId id="264" r:id="rId10"/>
+    <p:sldId id="265" r:id="rId11"/>
+    <p:sldId id="266" r:id="rId12"/>
+    <p:sldId id="267" r:id="rId13"/>
+    <p:sldId id="268" r:id="rId14"/>
+    <p:sldId id="269" r:id="rId15"/>
   </p:sldIdLst>
   <p:sldSz cx="12192000" cy="6858000"/>
   <p:notesSz cx="6858000" cy="9144000"/>
@@ -306,7 +313,7 @@
           <a:p>
             <a:fld id="{78C57A7E-E9E9-4206-A5A9-4483411B8BE1}" type="datetimeFigureOut">
               <a:rPr lang="en-US" smtClean="0"/>
-              <a:t>4/20/2021</a:t>
+              <a:t>4/22/2021</a:t>
             </a:fld>
             <a:endParaRPr lang="en-US"/>
           </a:p>
@@ -644,7 +651,7 @@
           <a:p>
             <a:fld id="{78C57A7E-E9E9-4206-A5A9-4483411B8BE1}" type="datetimeFigureOut">
               <a:rPr lang="en-US" smtClean="0"/>
-              <a:t>4/20/2021</a:t>
+              <a:t>4/22/2021</a:t>
             </a:fld>
             <a:endParaRPr lang="en-US"/>
           </a:p>
@@ -1045,7 +1052,7 @@
           <a:p>
             <a:fld id="{78C57A7E-E9E9-4206-A5A9-4483411B8BE1}" type="datetimeFigureOut">
               <a:rPr lang="en-US" smtClean="0"/>
-              <a:t>4/20/2021</a:t>
+              <a:t>4/22/2021</a:t>
             </a:fld>
             <a:endParaRPr lang="en-US"/>
           </a:p>
@@ -1381,7 +1388,7 @@
           <a:p>
             <a:fld id="{78C57A7E-E9E9-4206-A5A9-4483411B8BE1}" type="datetimeFigureOut">
               <a:rPr lang="en-US" smtClean="0"/>
-              <a:t>4/20/2021</a:t>
+              <a:t>4/22/2021</a:t>
             </a:fld>
             <a:endParaRPr lang="en-US"/>
           </a:p>
@@ -1701,7 +1708,7 @@
           <a:p>
             <a:fld id="{78C57A7E-E9E9-4206-A5A9-4483411B8BE1}" type="datetimeFigureOut">
               <a:rPr lang="en-US" smtClean="0"/>
-              <a:t>4/20/2021</a:t>
+              <a:t>4/22/2021</a:t>
             </a:fld>
             <a:endParaRPr lang="en-US"/>
           </a:p>
@@ -2097,7 +2104,7 @@
           <a:p>
             <a:fld id="{78C57A7E-E9E9-4206-A5A9-4483411B8BE1}" type="datetimeFigureOut">
               <a:rPr lang="en-US" smtClean="0"/>
-              <a:t>4/20/2021</a:t>
+              <a:t>4/22/2021</a:t>
             </a:fld>
             <a:endParaRPr lang="en-US"/>
           </a:p>
@@ -2354,7 +2361,7 @@
           <a:p>
             <a:fld id="{78C57A7E-E9E9-4206-A5A9-4483411B8BE1}" type="datetimeFigureOut">
               <a:rPr lang="en-US" smtClean="0"/>
-              <a:t>4/20/2021</a:t>
+              <a:t>4/22/2021</a:t>
             </a:fld>
             <a:endParaRPr lang="en-US"/>
           </a:p>
@@ -2616,7 +2623,7 @@
           <a:p>
             <a:fld id="{78C57A7E-E9E9-4206-A5A9-4483411B8BE1}" type="datetimeFigureOut">
               <a:rPr lang="en-US" smtClean="0"/>
-              <a:t>4/20/2021</a:t>
+              <a:t>4/22/2021</a:t>
             </a:fld>
             <a:endParaRPr lang="en-US"/>
           </a:p>
@@ -2878,7 +2885,7 @@
           <a:p>
             <a:fld id="{78C57A7E-E9E9-4206-A5A9-4483411B8BE1}" type="datetimeFigureOut">
               <a:rPr lang="en-US" smtClean="0"/>
-              <a:t>4/20/2021</a:t>
+              <a:t>4/22/2021</a:t>
             </a:fld>
             <a:endParaRPr lang="en-US"/>
           </a:p>
@@ -3207,7 +3214,7 @@
           <a:p>
             <a:fld id="{78C57A7E-E9E9-4206-A5A9-4483411B8BE1}" type="datetimeFigureOut">
               <a:rPr lang="en-US" smtClean="0"/>
-              <a:t>4/20/2021</a:t>
+              <a:t>4/22/2021</a:t>
             </a:fld>
             <a:endParaRPr lang="en-US"/>
           </a:p>
@@ -3530,7 +3537,7 @@
           <a:p>
             <a:fld id="{78C57A7E-E9E9-4206-A5A9-4483411B8BE1}" type="datetimeFigureOut">
               <a:rPr lang="en-US" smtClean="0"/>
-              <a:t>4/20/2021</a:t>
+              <a:t>4/22/2021</a:t>
             </a:fld>
             <a:endParaRPr lang="en-US"/>
           </a:p>
@@ -3987,7 +3994,7 @@
           <a:p>
             <a:fld id="{78C57A7E-E9E9-4206-A5A9-4483411B8BE1}" type="datetimeFigureOut">
               <a:rPr lang="en-US" smtClean="0"/>
-              <a:t>4/20/2021</a:t>
+              <a:t>4/22/2021</a:t>
             </a:fld>
             <a:endParaRPr lang="en-US"/>
           </a:p>
@@ -4192,7 +4199,7 @@
           <a:p>
             <a:fld id="{78C57A7E-E9E9-4206-A5A9-4483411B8BE1}" type="datetimeFigureOut">
               <a:rPr lang="en-US" smtClean="0"/>
-              <a:t>4/20/2021</a:t>
+              <a:t>4/22/2021</a:t>
             </a:fld>
             <a:endParaRPr lang="en-US"/>
           </a:p>
@@ -4369,7 +4376,7 @@
           <a:p>
             <a:fld id="{78C57A7E-E9E9-4206-A5A9-4483411B8BE1}" type="datetimeFigureOut">
               <a:rPr lang="en-US" smtClean="0"/>
-              <a:t>4/20/2021</a:t>
+              <a:t>4/22/2021</a:t>
             </a:fld>
             <a:endParaRPr lang="en-US"/>
           </a:p>
@@ -4702,7 +4709,7 @@
           <a:p>
             <a:fld id="{78C57A7E-E9E9-4206-A5A9-4483411B8BE1}" type="datetimeFigureOut">
               <a:rPr lang="en-US" smtClean="0"/>
-              <a:t>4/20/2021</a:t>
+              <a:t>4/22/2021</a:t>
             </a:fld>
             <a:endParaRPr lang="en-US"/>
           </a:p>
@@ -5047,7 +5054,7 @@
           <a:p>
             <a:fld id="{78C57A7E-E9E9-4206-A5A9-4483411B8BE1}" type="datetimeFigureOut">
               <a:rPr lang="en-US" smtClean="0"/>
-              <a:t>4/20/2021</a:t>
+              <a:t>4/22/2021</a:t>
             </a:fld>
             <a:endParaRPr lang="en-US"/>
           </a:p>
@@ -7164,7 +7171,7 @@
           <a:p>
             <a:fld id="{78C57A7E-E9E9-4206-A5A9-4483411B8BE1}" type="datetimeFigureOut">
               <a:rPr lang="en-US" smtClean="0"/>
-              <a:t>4/20/2021</a:t>
+              <a:t>4/22/2021</a:t>
             </a:fld>
             <a:endParaRPr lang="en-US"/>
           </a:p>
@@ -7793,6 +7800,449 @@
 </p:sld>
 </file>
 
+<file path=ppt/slides/slide10.xml><?xml version="1.0" encoding="utf-8"?>
+<p:sld xmlns:a="http://schemas.openxmlformats.org/drawingml/2006/main" xmlns:r="http://schemas.openxmlformats.org/officeDocument/2006/relationships" xmlns:p="http://schemas.openxmlformats.org/presentationml/2006/main">
+  <p:cSld>
+    <p:spTree>
+      <p:nvGrpSpPr>
+        <p:cNvPr id="1" name=""/>
+        <p:cNvGrpSpPr/>
+        <p:nvPr/>
+      </p:nvGrpSpPr>
+      <p:grpSpPr>
+        <a:xfrm>
+          <a:off x="0" y="0"/>
+          <a:ext cx="0" cy="0"/>
+          <a:chOff x="0" y="0"/>
+          <a:chExt cx="0" cy="0"/>
+        </a:xfrm>
+      </p:grpSpPr>
+      <p:sp>
+        <p:nvSpPr>
+          <p:cNvPr id="2" name="Title 1">
+            <a:extLst>
+              <a:ext uri="{FF2B5EF4-FFF2-40B4-BE49-F238E27FC236}">
+                <a16:creationId xmlns:a16="http://schemas.microsoft.com/office/drawing/2014/main" id="{ACECC3D9-1CED-4B7C-A5FB-93E83CE7C670}"/>
+              </a:ext>
+            </a:extLst>
+          </p:cNvPr>
+          <p:cNvSpPr>
+            <a:spLocks noGrp="1"/>
+          </p:cNvSpPr>
+          <p:nvPr>
+            <p:ph type="title"/>
+          </p:nvPr>
+        </p:nvSpPr>
+        <p:spPr/>
+        <p:txBody>
+          <a:bodyPr/>
+          <a:lstStyle/>
+          <a:p>
+            <a:endParaRPr lang="en-US"/>
+          </a:p>
+        </p:txBody>
+      </p:sp>
+      <p:sp>
+        <p:nvSpPr>
+          <p:cNvPr id="3" name="Content Placeholder 2">
+            <a:extLst>
+              <a:ext uri="{FF2B5EF4-FFF2-40B4-BE49-F238E27FC236}">
+                <a16:creationId xmlns:a16="http://schemas.microsoft.com/office/drawing/2014/main" id="{A48EE5C3-FD5E-4969-B57F-3207FE6F0CFF}"/>
+              </a:ext>
+            </a:extLst>
+          </p:cNvPr>
+          <p:cNvSpPr>
+            <a:spLocks noGrp="1"/>
+          </p:cNvSpPr>
+          <p:nvPr>
+            <p:ph idx="1"/>
+          </p:nvPr>
+        </p:nvSpPr>
+        <p:spPr/>
+        <p:txBody>
+          <a:bodyPr/>
+          <a:lstStyle/>
+          <a:p>
+            <a:endParaRPr lang="en-US"/>
+          </a:p>
+        </p:txBody>
+      </p:sp>
+    </p:spTree>
+    <p:extLst>
+      <p:ext uri="{BB962C8B-B14F-4D97-AF65-F5344CB8AC3E}">
+        <p14:creationId xmlns:p14="http://schemas.microsoft.com/office/powerpoint/2010/main" val="3401003739"/>
+      </p:ext>
+    </p:extLst>
+  </p:cSld>
+  <p:clrMapOvr>
+    <a:masterClrMapping/>
+  </p:clrMapOvr>
+</p:sld>
+</file>
+
+<file path=ppt/slides/slide11.xml><?xml version="1.0" encoding="utf-8"?>
+<p:sld xmlns:a="http://schemas.openxmlformats.org/drawingml/2006/main" xmlns:r="http://schemas.openxmlformats.org/officeDocument/2006/relationships" xmlns:p="http://schemas.openxmlformats.org/presentationml/2006/main">
+  <p:cSld>
+    <p:spTree>
+      <p:nvGrpSpPr>
+        <p:cNvPr id="1" name=""/>
+        <p:cNvGrpSpPr/>
+        <p:nvPr/>
+      </p:nvGrpSpPr>
+      <p:grpSpPr>
+        <a:xfrm>
+          <a:off x="0" y="0"/>
+          <a:ext cx="0" cy="0"/>
+          <a:chOff x="0" y="0"/>
+          <a:chExt cx="0" cy="0"/>
+        </a:xfrm>
+      </p:grpSpPr>
+      <p:sp>
+        <p:nvSpPr>
+          <p:cNvPr id="2" name="Title 1">
+            <a:extLst>
+              <a:ext uri="{FF2B5EF4-FFF2-40B4-BE49-F238E27FC236}">
+                <a16:creationId xmlns:a16="http://schemas.microsoft.com/office/drawing/2014/main" id="{61E59C6C-9BCA-4105-9F82-485500A4AF17}"/>
+              </a:ext>
+            </a:extLst>
+          </p:cNvPr>
+          <p:cNvSpPr>
+            <a:spLocks noGrp="1"/>
+          </p:cNvSpPr>
+          <p:nvPr>
+            <p:ph type="title"/>
+          </p:nvPr>
+        </p:nvSpPr>
+        <p:spPr>
+          <a:xfrm>
+            <a:off x="2592925" y="624110"/>
+            <a:ext cx="8911687" cy="609886"/>
+          </a:xfrm>
+        </p:spPr>
+        <p:txBody>
+          <a:bodyPr>
+            <a:normAutofit fontScale="90000"/>
+          </a:bodyPr>
+          <a:lstStyle/>
+          <a:p>
+            <a:r>
+              <a:rPr lang="sr-Latn-RS" dirty="0"/>
+              <a:t>Bowtie</a:t>
+            </a:r>
+            <a:endParaRPr lang="en-US" dirty="0"/>
+          </a:p>
+        </p:txBody>
+      </p:sp>
+      <p:sp>
+        <p:nvSpPr>
+          <p:cNvPr id="3" name="Content Placeholder 2">
+            <a:extLst>
+              <a:ext uri="{FF2B5EF4-FFF2-40B4-BE49-F238E27FC236}">
+                <a16:creationId xmlns:a16="http://schemas.microsoft.com/office/drawing/2014/main" id="{F575ABC2-7ABF-41DC-BEF4-0DB34A7C7E37}"/>
+              </a:ext>
+            </a:extLst>
+          </p:cNvPr>
+          <p:cNvSpPr>
+            <a:spLocks noGrp="1"/>
+          </p:cNvSpPr>
+          <p:nvPr>
+            <p:ph idx="1"/>
+          </p:nvPr>
+        </p:nvSpPr>
+        <p:spPr>
+          <a:xfrm>
+            <a:off x="2589212" y="1358283"/>
+            <a:ext cx="8915400" cy="4552939"/>
+          </a:xfrm>
+        </p:spPr>
+        <p:txBody>
+          <a:bodyPr>
+            <a:normAutofit/>
+          </a:bodyPr>
+          <a:lstStyle/>
+          <a:p>
+            <a:r>
+              <a:rPr lang="sr-Latn-RS" dirty="0"/>
+              <a:t>Bowtie je jako brz i memorijski efikasan alajner readova. Alajnuje kratke readove na ljudskom genomu pri brzini od 25 miliona readova dužine od 35 baznih parova po satu. Bowtie indeksira genom Burrows-Wheelerovim indeksom kako bi imao dobru memorijsku efikasnost</a:t>
+            </a:r>
+            <a:endParaRPr lang="en-US" dirty="0"/>
+          </a:p>
+          <a:p>
+            <a:r>
+              <a:rPr lang="sr-Latn-RS" dirty="0"/>
+              <a:t>Međutim ispostavilo se da je nama korisniji Bowtie 2</a:t>
+            </a:r>
+          </a:p>
+          <a:p>
+            <a:r>
+              <a:rPr lang="sr-Latn-RS" dirty="0"/>
+              <a:t>Bowtie 2 je napravljen sa istom namenom, s tim što je posebno dobar u alajnovanju readova od 50 do nekoliko hiljada karaktera i naročito dobar za relativno dugačge genome, na primer sisara. Bowtie 2 za razliku od prethodnika indeksira uz pomoć FM indeksa kako bi održao dobru memorijsku efikasnost. Takođe bowtie 2 podržava „gapped“, „local“ i „paired-end alignment“ modove. </a:t>
+            </a:r>
+            <a:r>
+              <a:rPr lang="sr-Latn-RS"/>
+              <a:t>Gde je nama poslednji bio potreban</a:t>
+            </a:r>
+            <a:r>
+              <a:rPr lang="en-US"/>
+              <a:t>.</a:t>
+            </a:r>
+            <a:endParaRPr lang="en-US" dirty="0"/>
+          </a:p>
+        </p:txBody>
+      </p:sp>
+    </p:spTree>
+    <p:extLst>
+      <p:ext uri="{BB962C8B-B14F-4D97-AF65-F5344CB8AC3E}">
+        <p14:creationId xmlns:p14="http://schemas.microsoft.com/office/powerpoint/2010/main" val="698521340"/>
+      </p:ext>
+    </p:extLst>
+  </p:cSld>
+  <p:clrMapOvr>
+    <a:masterClrMapping/>
+  </p:clrMapOvr>
+</p:sld>
+</file>
+
+<file path=ppt/slides/slide12.xml><?xml version="1.0" encoding="utf-8"?>
+<p:sld xmlns:a="http://schemas.openxmlformats.org/drawingml/2006/main" xmlns:r="http://schemas.openxmlformats.org/officeDocument/2006/relationships" xmlns:p="http://schemas.openxmlformats.org/presentationml/2006/main">
+  <p:cSld>
+    <p:spTree>
+      <p:nvGrpSpPr>
+        <p:cNvPr id="1" name=""/>
+        <p:cNvGrpSpPr/>
+        <p:nvPr/>
+      </p:nvGrpSpPr>
+      <p:grpSpPr>
+        <a:xfrm>
+          <a:off x="0" y="0"/>
+          <a:ext cx="0" cy="0"/>
+          <a:chOff x="0" y="0"/>
+          <a:chExt cx="0" cy="0"/>
+        </a:xfrm>
+      </p:grpSpPr>
+      <p:sp>
+        <p:nvSpPr>
+          <p:cNvPr id="2" name="Title 1">
+            <a:extLst>
+              <a:ext uri="{FF2B5EF4-FFF2-40B4-BE49-F238E27FC236}">
+                <a16:creationId xmlns:a16="http://schemas.microsoft.com/office/drawing/2014/main" id="{C4571A87-A086-41FC-A4FC-3F95D6B31ACD}"/>
+              </a:ext>
+            </a:extLst>
+          </p:cNvPr>
+          <p:cNvSpPr>
+            <a:spLocks noGrp="1"/>
+          </p:cNvSpPr>
+          <p:nvPr>
+            <p:ph type="title"/>
+          </p:nvPr>
+        </p:nvSpPr>
+        <p:spPr/>
+        <p:txBody>
+          <a:bodyPr/>
+          <a:lstStyle/>
+          <a:p>
+            <a:endParaRPr lang="en-US"/>
+          </a:p>
+        </p:txBody>
+      </p:sp>
+      <p:sp>
+        <p:nvSpPr>
+          <p:cNvPr id="3" name="Content Placeholder 2">
+            <a:extLst>
+              <a:ext uri="{FF2B5EF4-FFF2-40B4-BE49-F238E27FC236}">
+                <a16:creationId xmlns:a16="http://schemas.microsoft.com/office/drawing/2014/main" id="{20911C5A-9069-459C-897D-A97ABC7C0A50}"/>
+              </a:ext>
+            </a:extLst>
+          </p:cNvPr>
+          <p:cNvSpPr>
+            <a:spLocks noGrp="1"/>
+          </p:cNvSpPr>
+          <p:nvPr>
+            <p:ph idx="1"/>
+          </p:nvPr>
+        </p:nvSpPr>
+        <p:spPr/>
+        <p:txBody>
+          <a:bodyPr/>
+          <a:lstStyle/>
+          <a:p>
+            <a:endParaRPr lang="en-US"/>
+          </a:p>
+        </p:txBody>
+      </p:sp>
+    </p:spTree>
+    <p:extLst>
+      <p:ext uri="{BB962C8B-B14F-4D97-AF65-F5344CB8AC3E}">
+        <p14:creationId xmlns:p14="http://schemas.microsoft.com/office/powerpoint/2010/main" val="1506655479"/>
+      </p:ext>
+    </p:extLst>
+  </p:cSld>
+  <p:clrMapOvr>
+    <a:masterClrMapping/>
+  </p:clrMapOvr>
+</p:sld>
+</file>
+
+<file path=ppt/slides/slide13.xml><?xml version="1.0" encoding="utf-8"?>
+<p:sld xmlns:a="http://schemas.openxmlformats.org/drawingml/2006/main" xmlns:r="http://schemas.openxmlformats.org/officeDocument/2006/relationships" xmlns:p="http://schemas.openxmlformats.org/presentationml/2006/main">
+  <p:cSld>
+    <p:spTree>
+      <p:nvGrpSpPr>
+        <p:cNvPr id="1" name=""/>
+        <p:cNvGrpSpPr/>
+        <p:nvPr/>
+      </p:nvGrpSpPr>
+      <p:grpSpPr>
+        <a:xfrm>
+          <a:off x="0" y="0"/>
+          <a:ext cx="0" cy="0"/>
+          <a:chOff x="0" y="0"/>
+          <a:chExt cx="0" cy="0"/>
+        </a:xfrm>
+      </p:grpSpPr>
+      <p:sp>
+        <p:nvSpPr>
+          <p:cNvPr id="2" name="Title 1">
+            <a:extLst>
+              <a:ext uri="{FF2B5EF4-FFF2-40B4-BE49-F238E27FC236}">
+                <a16:creationId xmlns:a16="http://schemas.microsoft.com/office/drawing/2014/main" id="{8F5F951E-FE66-4850-A69F-0D8296320984}"/>
+              </a:ext>
+            </a:extLst>
+          </p:cNvPr>
+          <p:cNvSpPr>
+            <a:spLocks noGrp="1"/>
+          </p:cNvSpPr>
+          <p:nvPr>
+            <p:ph type="title"/>
+          </p:nvPr>
+        </p:nvSpPr>
+        <p:spPr/>
+        <p:txBody>
+          <a:bodyPr/>
+          <a:lstStyle/>
+          <a:p>
+            <a:endParaRPr lang="en-US"/>
+          </a:p>
+        </p:txBody>
+      </p:sp>
+      <p:sp>
+        <p:nvSpPr>
+          <p:cNvPr id="3" name="Content Placeholder 2">
+            <a:extLst>
+              <a:ext uri="{FF2B5EF4-FFF2-40B4-BE49-F238E27FC236}">
+                <a16:creationId xmlns:a16="http://schemas.microsoft.com/office/drawing/2014/main" id="{59A9D32C-9136-4E17-A565-599C76726193}"/>
+              </a:ext>
+            </a:extLst>
+          </p:cNvPr>
+          <p:cNvSpPr>
+            <a:spLocks noGrp="1"/>
+          </p:cNvSpPr>
+          <p:nvPr>
+            <p:ph idx="1"/>
+          </p:nvPr>
+        </p:nvSpPr>
+        <p:spPr/>
+        <p:txBody>
+          <a:bodyPr/>
+          <a:lstStyle/>
+          <a:p>
+            <a:endParaRPr lang="en-US"/>
+          </a:p>
+        </p:txBody>
+      </p:sp>
+    </p:spTree>
+    <p:extLst>
+      <p:ext uri="{BB962C8B-B14F-4D97-AF65-F5344CB8AC3E}">
+        <p14:creationId xmlns:p14="http://schemas.microsoft.com/office/powerpoint/2010/main" val="3335109920"/>
+      </p:ext>
+    </p:extLst>
+  </p:cSld>
+  <p:clrMapOvr>
+    <a:masterClrMapping/>
+  </p:clrMapOvr>
+</p:sld>
+</file>
+
+<file path=ppt/slides/slide14.xml><?xml version="1.0" encoding="utf-8"?>
+<p:sld xmlns:a="http://schemas.openxmlformats.org/drawingml/2006/main" xmlns:r="http://schemas.openxmlformats.org/officeDocument/2006/relationships" xmlns:p="http://schemas.openxmlformats.org/presentationml/2006/main">
+  <p:cSld>
+    <p:spTree>
+      <p:nvGrpSpPr>
+        <p:cNvPr id="1" name=""/>
+        <p:cNvGrpSpPr/>
+        <p:nvPr/>
+      </p:nvGrpSpPr>
+      <p:grpSpPr>
+        <a:xfrm>
+          <a:off x="0" y="0"/>
+          <a:ext cx="0" cy="0"/>
+          <a:chOff x="0" y="0"/>
+          <a:chExt cx="0" cy="0"/>
+        </a:xfrm>
+      </p:grpSpPr>
+      <p:sp>
+        <p:nvSpPr>
+          <p:cNvPr id="2" name="Title 1">
+            <a:extLst>
+              <a:ext uri="{FF2B5EF4-FFF2-40B4-BE49-F238E27FC236}">
+                <a16:creationId xmlns:a16="http://schemas.microsoft.com/office/drawing/2014/main" id="{E7F48429-0FA2-457A-9CB6-A14A226D1128}"/>
+              </a:ext>
+            </a:extLst>
+          </p:cNvPr>
+          <p:cNvSpPr>
+            <a:spLocks noGrp="1"/>
+          </p:cNvSpPr>
+          <p:nvPr>
+            <p:ph type="title"/>
+          </p:nvPr>
+        </p:nvSpPr>
+        <p:spPr/>
+        <p:txBody>
+          <a:bodyPr/>
+          <a:lstStyle/>
+          <a:p>
+            <a:endParaRPr lang="en-US"/>
+          </a:p>
+        </p:txBody>
+      </p:sp>
+      <p:sp>
+        <p:nvSpPr>
+          <p:cNvPr id="3" name="Content Placeholder 2">
+            <a:extLst>
+              <a:ext uri="{FF2B5EF4-FFF2-40B4-BE49-F238E27FC236}">
+                <a16:creationId xmlns:a16="http://schemas.microsoft.com/office/drawing/2014/main" id="{426C0704-FA39-4D16-988B-2412B33F43DE}"/>
+              </a:ext>
+            </a:extLst>
+          </p:cNvPr>
+          <p:cNvSpPr>
+            <a:spLocks noGrp="1"/>
+          </p:cNvSpPr>
+          <p:nvPr>
+            <p:ph idx="1"/>
+          </p:nvPr>
+        </p:nvSpPr>
+        <p:spPr/>
+        <p:txBody>
+          <a:bodyPr/>
+          <a:lstStyle/>
+          <a:p>
+            <a:endParaRPr lang="en-US"/>
+          </a:p>
+        </p:txBody>
+      </p:sp>
+    </p:spTree>
+    <p:extLst>
+      <p:ext uri="{BB962C8B-B14F-4D97-AF65-F5344CB8AC3E}">
+        <p14:creationId xmlns:p14="http://schemas.microsoft.com/office/powerpoint/2010/main" val="2269812403"/>
+      </p:ext>
+    </p:extLst>
+  </p:cSld>
+  <p:clrMapOvr>
+    <a:masterClrMapping/>
+  </p:clrMapOvr>
+</p:sld>
+</file>
+
 <file path=ppt/slides/slide2.xml><?xml version="1.0" encoding="utf-8"?>
 <p:sld xmlns:a="http://schemas.openxmlformats.org/drawingml/2006/main" xmlns:r="http://schemas.openxmlformats.org/officeDocument/2006/relationships" xmlns:p="http://schemas.openxmlformats.org/presentationml/2006/main">
   <p:cSld>
@@ -9896,7 +10346,9 @@
           </a:xfrm>
         </p:spPr>
         <p:txBody>
-          <a:bodyPr/>
+          <a:bodyPr>
+            <a:normAutofit lnSpcReduction="10000"/>
+          </a:bodyPr>
           <a:lstStyle/>
           <a:p>
             <a:pPr lvl="1"/>
@@ -9916,14 +10368,19 @@
             <a:pPr lvl="1"/>
             <a:r>
               <a:rPr lang="sr-Latn-RS" dirty="0"/>
-              <a:t>U zavisnosti od ulaznih parametara mutiramo genom (insert, delete, snv)</a:t>
-            </a:r>
+              <a:t>Broj readova određujemo po formuli : coverage * duzina_ref_genoma/ read_size</a:t>
+            </a:r>
+            <a:endParaRPr lang="en-US" dirty="0"/>
           </a:p>
           <a:p>
             <a:pPr lvl="1"/>
             <a:r>
+              <a:rPr lang="en-US" dirty="0"/>
+              <a:t>Fragment </a:t>
+            </a:r>
+            <a:r>
               <a:rPr lang="sr-Latn-RS" dirty="0"/>
-              <a:t>Broj readova određujemo po formuli : coverage * duzina_ref_genoma/ read_size </a:t>
+              <a:t>sa koga ćemo uzimati read biramo nasumično </a:t>
             </a:r>
           </a:p>
           <a:p>
@@ -9937,7 +10394,14 @@
             <a:pPr lvl="1"/>
             <a:r>
               <a:rPr lang="sr-Latn-RS" dirty="0"/>
-              <a:t>Read2 se pri učitavanju okreće i komplementira</a:t>
+              <a:t>Read2 se po učitavanju okreće i komplementira</a:t>
+            </a:r>
+          </a:p>
+          <a:p>
+            <a:pPr lvl="1"/>
+            <a:r>
+              <a:rPr lang="sr-Latn-RS" dirty="0"/>
+              <a:t>U zavisnosti od ulaznih parametara mutiramo readove (insert, delete, snv)</a:t>
             </a:r>
           </a:p>
           <a:p>
@@ -9951,7 +10415,7 @@
             <a:pPr lvl="1"/>
             <a:r>
               <a:rPr lang="sr-Latn-RS" dirty="0"/>
-              <a:t>Na osnovu readova se formira i SAM file, samo što Read2 mora da se ponovo okrene i komplementira kako bi se dobio validan SAM file. (Naučeno na teži način)</a:t>
+              <a:t>Na osnovu readova se formira i SAM file, samo što Read2 mora da se ponovo okrene kako bi se dobio validan SAM file. (Naučeno na teži način)</a:t>
             </a:r>
           </a:p>
           <a:p>
@@ -9967,15 +10431,7 @@
             </a:pPr>
             <a:r>
               <a:rPr lang="sr-Latn-RS" dirty="0"/>
-              <a:t>***Disclaimer : Hteli smo da očistimo genom tako što bismo umesto R,Y,K,M,N... </a:t>
-            </a:r>
-            <a:r>
-              <a:rPr lang="sr-Latn-RS"/>
-              <a:t>uveli </a:t>
-            </a:r>
-            <a:r>
-              <a:rPr lang="sr-Latn-RS" dirty="0"/>
-              <a:t>ATCG sa podjednakim verovatnoćama, ali to nam je ubilo tačnost sa BWA-MEM toolom jer on radi sa N-ovima, a mi bismo na poziciji N-a imali A,T,C ili G</a:t>
+              <a:t>***Disclaimer : Hteli smo da očistimo genom tako što bismo umesto R,Y,K,M,N... uveli ATCG sa podjednakim verovatnoćama, ali to nam je ubilo tačnost sa BWA-MEM toolom jer on radi sa N-ovima, a mi bismo na poziciji N-a imali A,T,C ili G</a:t>
             </a:r>
           </a:p>
         </p:txBody>
@@ -10026,12 +10482,23 @@
             <p:ph type="title"/>
           </p:nvPr>
         </p:nvSpPr>
-        <p:spPr/>
-        <p:txBody>
-          <a:bodyPr/>
+        <p:spPr>
+          <a:xfrm>
+            <a:off x="2592925" y="624110"/>
+            <a:ext cx="8911687" cy="592131"/>
+          </a:xfrm>
+        </p:spPr>
+        <p:txBody>
+          <a:bodyPr>
+            <a:normAutofit fontScale="90000"/>
+          </a:bodyPr>
           <a:lstStyle/>
           <a:p>
-            <a:endParaRPr lang="en-US"/>
+            <a:r>
+              <a:rPr lang="sr-Latn-RS" dirty="0"/>
+              <a:t>BWA-MEM</a:t>
+            </a:r>
+            <a:endParaRPr lang="en-US" dirty="0"/>
           </a:p>
         </p:txBody>
       </p:sp>
@@ -10051,12 +10518,69 @@
             <p:ph idx="1"/>
           </p:nvPr>
         </p:nvSpPr>
-        <p:spPr/>
-        <p:txBody>
-          <a:bodyPr/>
+        <p:spPr>
+          <a:xfrm>
+            <a:off x="2589212" y="1500326"/>
+            <a:ext cx="8915400" cy="4410896"/>
+          </a:xfrm>
+        </p:spPr>
+        <p:txBody>
+          <a:bodyPr>
+            <a:normAutofit/>
+          </a:bodyPr>
           <a:lstStyle/>
           <a:p>
-            <a:endParaRPr lang="en-US"/>
+            <a:r>
+              <a:rPr lang="sr-Latn-RS" b="0" i="0" dirty="0">
+                <a:solidFill>
+                  <a:srgbClr val="444444"/>
+                </a:solidFill>
+                <a:effectLst/>
+                <a:latin typeface="Lucida Grande"/>
+              </a:rPr>
+              <a:t>BWA je softverski paket za mapiranje kraćih sekvenci u odnosu na veliki referentni genom, gde je BWA-MEM deo tog paketa pored BWA-backtrack i BWA-SW</a:t>
+            </a:r>
+          </a:p>
+          <a:p>
+            <a:r>
+              <a:rPr lang="sr-Latn-RS" dirty="0">
+                <a:solidFill>
+                  <a:srgbClr val="444444"/>
+                </a:solidFill>
+                <a:latin typeface="Lucida Grande"/>
+              </a:rPr>
+              <a:t>Sam BWA-MEM ima mogućnost poravnavanja (alajnovanja) sekvenci i preporučuju ga zbog brzine i preciznosti</a:t>
+            </a:r>
+          </a:p>
+          <a:p>
+            <a:r>
+              <a:rPr lang="sr-Latn-RS" b="0" i="0" dirty="0">
+                <a:solidFill>
+                  <a:srgbClr val="444444"/>
+                </a:solidFill>
+                <a:effectLst/>
+                <a:latin typeface="Lucida Grande"/>
+              </a:rPr>
+              <a:t>Backtrack je dizajniran za dužine do 100 baznih parova, dok su SW i MEM namenjeni za sekvence od 70 do 1 milion baznih parova</a:t>
+            </a:r>
+          </a:p>
+          <a:p>
+            <a:r>
+              <a:rPr lang="sr-Latn-RS" b="0" i="0" dirty="0">
+                <a:solidFill>
+                  <a:srgbClr val="444444"/>
+                </a:solidFill>
+                <a:effectLst/>
+                <a:latin typeface="Lucida Grande"/>
+              </a:rPr>
+              <a:t>MEM takođe ima bolje performanse od backtracka na dužinama od 70 do 100 baznih parova</a:t>
+            </a:r>
+          </a:p>
+          <a:p>
+            <a:pPr marL="0" indent="0">
+              <a:buNone/>
+            </a:pPr>
+            <a:endParaRPr lang="en-US" dirty="0"/>
           </a:p>
         </p:txBody>
       </p:sp>
@@ -10064,6 +10588,166 @@
     <p:extLst>
       <p:ext uri="{BB962C8B-B14F-4D97-AF65-F5344CB8AC3E}">
         <p14:creationId xmlns:p14="http://schemas.microsoft.com/office/powerpoint/2010/main" val="1123272797"/>
+      </p:ext>
+    </p:extLst>
+  </p:cSld>
+  <p:clrMapOvr>
+    <a:masterClrMapping/>
+  </p:clrMapOvr>
+</p:sld>
+</file>
+
+<file path=ppt/slides/slide8.xml><?xml version="1.0" encoding="utf-8"?>
+<p:sld xmlns:a="http://schemas.openxmlformats.org/drawingml/2006/main" xmlns:r="http://schemas.openxmlformats.org/officeDocument/2006/relationships" xmlns:p="http://schemas.openxmlformats.org/presentationml/2006/main">
+  <p:cSld>
+    <p:spTree>
+      <p:nvGrpSpPr>
+        <p:cNvPr id="1" name=""/>
+        <p:cNvGrpSpPr/>
+        <p:nvPr/>
+      </p:nvGrpSpPr>
+      <p:grpSpPr>
+        <a:xfrm>
+          <a:off x="0" y="0"/>
+          <a:ext cx="0" cy="0"/>
+          <a:chOff x="0" y="0"/>
+          <a:chExt cx="0" cy="0"/>
+        </a:xfrm>
+      </p:grpSpPr>
+      <p:sp>
+        <p:nvSpPr>
+          <p:cNvPr id="2" name="Title 1">
+            <a:extLst>
+              <a:ext uri="{FF2B5EF4-FFF2-40B4-BE49-F238E27FC236}">
+                <a16:creationId xmlns:a16="http://schemas.microsoft.com/office/drawing/2014/main" id="{6BFCC85D-27E4-4AF2-B335-FCBBBFFEDB58}"/>
+              </a:ext>
+            </a:extLst>
+          </p:cNvPr>
+          <p:cNvSpPr>
+            <a:spLocks noGrp="1"/>
+          </p:cNvSpPr>
+          <p:nvPr>
+            <p:ph type="title"/>
+          </p:nvPr>
+        </p:nvSpPr>
+        <p:spPr/>
+        <p:txBody>
+          <a:bodyPr/>
+          <a:lstStyle/>
+          <a:p>
+            <a:endParaRPr lang="en-US"/>
+          </a:p>
+        </p:txBody>
+      </p:sp>
+      <p:sp>
+        <p:nvSpPr>
+          <p:cNvPr id="3" name="Content Placeholder 2">
+            <a:extLst>
+              <a:ext uri="{FF2B5EF4-FFF2-40B4-BE49-F238E27FC236}">
+                <a16:creationId xmlns:a16="http://schemas.microsoft.com/office/drawing/2014/main" id="{F2BAA948-0131-406D-AC2D-FFA799C97767}"/>
+              </a:ext>
+            </a:extLst>
+          </p:cNvPr>
+          <p:cNvSpPr>
+            <a:spLocks noGrp="1"/>
+          </p:cNvSpPr>
+          <p:nvPr>
+            <p:ph idx="1"/>
+          </p:nvPr>
+        </p:nvSpPr>
+        <p:spPr/>
+        <p:txBody>
+          <a:bodyPr/>
+          <a:lstStyle/>
+          <a:p>
+            <a:endParaRPr lang="en-US"/>
+          </a:p>
+        </p:txBody>
+      </p:sp>
+    </p:spTree>
+    <p:extLst>
+      <p:ext uri="{BB962C8B-B14F-4D97-AF65-F5344CB8AC3E}">
+        <p14:creationId xmlns:p14="http://schemas.microsoft.com/office/powerpoint/2010/main" val="866838001"/>
+      </p:ext>
+    </p:extLst>
+  </p:cSld>
+  <p:clrMapOvr>
+    <a:masterClrMapping/>
+  </p:clrMapOvr>
+</p:sld>
+</file>
+
+<file path=ppt/slides/slide9.xml><?xml version="1.0" encoding="utf-8"?>
+<p:sld xmlns:a="http://schemas.openxmlformats.org/drawingml/2006/main" xmlns:r="http://schemas.openxmlformats.org/officeDocument/2006/relationships" xmlns:p="http://schemas.openxmlformats.org/presentationml/2006/main">
+  <p:cSld>
+    <p:spTree>
+      <p:nvGrpSpPr>
+        <p:cNvPr id="1" name=""/>
+        <p:cNvGrpSpPr/>
+        <p:nvPr/>
+      </p:nvGrpSpPr>
+      <p:grpSpPr>
+        <a:xfrm>
+          <a:off x="0" y="0"/>
+          <a:ext cx="0" cy="0"/>
+          <a:chOff x="0" y="0"/>
+          <a:chExt cx="0" cy="0"/>
+        </a:xfrm>
+      </p:grpSpPr>
+      <p:sp>
+        <p:nvSpPr>
+          <p:cNvPr id="2" name="Title 1">
+            <a:extLst>
+              <a:ext uri="{FF2B5EF4-FFF2-40B4-BE49-F238E27FC236}">
+                <a16:creationId xmlns:a16="http://schemas.microsoft.com/office/drawing/2014/main" id="{3CE3CAC1-C48E-48D3-AC67-B9D0B93E75AF}"/>
+              </a:ext>
+            </a:extLst>
+          </p:cNvPr>
+          <p:cNvSpPr>
+            <a:spLocks noGrp="1"/>
+          </p:cNvSpPr>
+          <p:nvPr>
+            <p:ph type="title"/>
+          </p:nvPr>
+        </p:nvSpPr>
+        <p:spPr/>
+        <p:txBody>
+          <a:bodyPr/>
+          <a:lstStyle/>
+          <a:p>
+            <a:endParaRPr lang="en-US"/>
+          </a:p>
+        </p:txBody>
+      </p:sp>
+      <p:sp>
+        <p:nvSpPr>
+          <p:cNvPr id="3" name="Content Placeholder 2">
+            <a:extLst>
+              <a:ext uri="{FF2B5EF4-FFF2-40B4-BE49-F238E27FC236}">
+                <a16:creationId xmlns:a16="http://schemas.microsoft.com/office/drawing/2014/main" id="{F921D703-C573-4E9A-B669-900767C89BAC}"/>
+              </a:ext>
+            </a:extLst>
+          </p:cNvPr>
+          <p:cNvSpPr>
+            <a:spLocks noGrp="1"/>
+          </p:cNvSpPr>
+          <p:nvPr>
+            <p:ph idx="1"/>
+          </p:nvPr>
+        </p:nvSpPr>
+        <p:spPr/>
+        <p:txBody>
+          <a:bodyPr/>
+          <a:lstStyle/>
+          <a:p>
+            <a:endParaRPr lang="en-US"/>
+          </a:p>
+        </p:txBody>
+      </p:sp>
+    </p:spTree>
+    <p:extLst>
+      <p:ext uri="{BB962C8B-B14F-4D97-AF65-F5344CB8AC3E}">
+        <p14:creationId xmlns:p14="http://schemas.microsoft.com/office/powerpoint/2010/main" val="626607187"/>
       </p:ext>
     </p:extLst>
   </p:cSld>

--- a/IluminaPairEndReadSimulator presentation.pptx
+++ b/IluminaPairEndReadSimulator presentation.pptx
@@ -13,12 +13,13 @@
     <p:sldId id="261" r:id="rId7"/>
     <p:sldId id="262" r:id="rId8"/>
     <p:sldId id="263" r:id="rId9"/>
-    <p:sldId id="264" r:id="rId10"/>
-    <p:sldId id="265" r:id="rId11"/>
-    <p:sldId id="266" r:id="rId12"/>
-    <p:sldId id="267" r:id="rId13"/>
+    <p:sldId id="265" r:id="rId10"/>
+    <p:sldId id="264" r:id="rId11"/>
+    <p:sldId id="270" r:id="rId12"/>
+    <p:sldId id="266" r:id="rId13"/>
     <p:sldId id="268" r:id="rId14"/>
-    <p:sldId id="269" r:id="rId15"/>
+    <p:sldId id="267" r:id="rId15"/>
+    <p:sldId id="269" r:id="rId16"/>
   </p:sldIdLst>
   <p:sldSz cx="12192000" cy="6858000"/>
   <p:notesSz cx="6858000" cy="9144000"/>
@@ -313,7 +314,7 @@
           <a:p>
             <a:fld id="{78C57A7E-E9E9-4206-A5A9-4483411B8BE1}" type="datetimeFigureOut">
               <a:rPr lang="en-US" smtClean="0"/>
-              <a:t>4/22/2021</a:t>
+              <a:t>4/23/2021</a:t>
             </a:fld>
             <a:endParaRPr lang="en-US"/>
           </a:p>
@@ -651,7 +652,7 @@
           <a:p>
             <a:fld id="{78C57A7E-E9E9-4206-A5A9-4483411B8BE1}" type="datetimeFigureOut">
               <a:rPr lang="en-US" smtClean="0"/>
-              <a:t>4/22/2021</a:t>
+              <a:t>4/23/2021</a:t>
             </a:fld>
             <a:endParaRPr lang="en-US"/>
           </a:p>
@@ -1052,7 +1053,7 @@
           <a:p>
             <a:fld id="{78C57A7E-E9E9-4206-A5A9-4483411B8BE1}" type="datetimeFigureOut">
               <a:rPr lang="en-US" smtClean="0"/>
-              <a:t>4/22/2021</a:t>
+              <a:t>4/23/2021</a:t>
             </a:fld>
             <a:endParaRPr lang="en-US"/>
           </a:p>
@@ -1388,7 +1389,7 @@
           <a:p>
             <a:fld id="{78C57A7E-E9E9-4206-A5A9-4483411B8BE1}" type="datetimeFigureOut">
               <a:rPr lang="en-US" smtClean="0"/>
-              <a:t>4/22/2021</a:t>
+              <a:t>4/23/2021</a:t>
             </a:fld>
             <a:endParaRPr lang="en-US"/>
           </a:p>
@@ -1708,7 +1709,7 @@
           <a:p>
             <a:fld id="{78C57A7E-E9E9-4206-A5A9-4483411B8BE1}" type="datetimeFigureOut">
               <a:rPr lang="en-US" smtClean="0"/>
-              <a:t>4/22/2021</a:t>
+              <a:t>4/23/2021</a:t>
             </a:fld>
             <a:endParaRPr lang="en-US"/>
           </a:p>
@@ -2104,7 +2105,7 @@
           <a:p>
             <a:fld id="{78C57A7E-E9E9-4206-A5A9-4483411B8BE1}" type="datetimeFigureOut">
               <a:rPr lang="en-US" smtClean="0"/>
-              <a:t>4/22/2021</a:t>
+              <a:t>4/23/2021</a:t>
             </a:fld>
             <a:endParaRPr lang="en-US"/>
           </a:p>
@@ -2361,7 +2362,7 @@
           <a:p>
             <a:fld id="{78C57A7E-E9E9-4206-A5A9-4483411B8BE1}" type="datetimeFigureOut">
               <a:rPr lang="en-US" smtClean="0"/>
-              <a:t>4/22/2021</a:t>
+              <a:t>4/23/2021</a:t>
             </a:fld>
             <a:endParaRPr lang="en-US"/>
           </a:p>
@@ -2623,7 +2624,7 @@
           <a:p>
             <a:fld id="{78C57A7E-E9E9-4206-A5A9-4483411B8BE1}" type="datetimeFigureOut">
               <a:rPr lang="en-US" smtClean="0"/>
-              <a:t>4/22/2021</a:t>
+              <a:t>4/23/2021</a:t>
             </a:fld>
             <a:endParaRPr lang="en-US"/>
           </a:p>
@@ -2885,7 +2886,7 @@
           <a:p>
             <a:fld id="{78C57A7E-E9E9-4206-A5A9-4483411B8BE1}" type="datetimeFigureOut">
               <a:rPr lang="en-US" smtClean="0"/>
-              <a:t>4/22/2021</a:t>
+              <a:t>4/23/2021</a:t>
             </a:fld>
             <a:endParaRPr lang="en-US"/>
           </a:p>
@@ -3214,7 +3215,7 @@
           <a:p>
             <a:fld id="{78C57A7E-E9E9-4206-A5A9-4483411B8BE1}" type="datetimeFigureOut">
               <a:rPr lang="en-US" smtClean="0"/>
-              <a:t>4/22/2021</a:t>
+              <a:t>4/23/2021</a:t>
             </a:fld>
             <a:endParaRPr lang="en-US"/>
           </a:p>
@@ -3537,7 +3538,7 @@
           <a:p>
             <a:fld id="{78C57A7E-E9E9-4206-A5A9-4483411B8BE1}" type="datetimeFigureOut">
               <a:rPr lang="en-US" smtClean="0"/>
-              <a:t>4/22/2021</a:t>
+              <a:t>4/23/2021</a:t>
             </a:fld>
             <a:endParaRPr lang="en-US"/>
           </a:p>
@@ -3994,7 +3995,7 @@
           <a:p>
             <a:fld id="{78C57A7E-E9E9-4206-A5A9-4483411B8BE1}" type="datetimeFigureOut">
               <a:rPr lang="en-US" smtClean="0"/>
-              <a:t>4/22/2021</a:t>
+              <a:t>4/23/2021</a:t>
             </a:fld>
             <a:endParaRPr lang="en-US"/>
           </a:p>
@@ -4199,7 +4200,7 @@
           <a:p>
             <a:fld id="{78C57A7E-E9E9-4206-A5A9-4483411B8BE1}" type="datetimeFigureOut">
               <a:rPr lang="en-US" smtClean="0"/>
-              <a:t>4/22/2021</a:t>
+              <a:t>4/23/2021</a:t>
             </a:fld>
             <a:endParaRPr lang="en-US"/>
           </a:p>
@@ -4376,7 +4377,7 @@
           <a:p>
             <a:fld id="{78C57A7E-E9E9-4206-A5A9-4483411B8BE1}" type="datetimeFigureOut">
               <a:rPr lang="en-US" smtClean="0"/>
-              <a:t>4/22/2021</a:t>
+              <a:t>4/23/2021</a:t>
             </a:fld>
             <a:endParaRPr lang="en-US"/>
           </a:p>
@@ -4709,7 +4710,7 @@
           <a:p>
             <a:fld id="{78C57A7E-E9E9-4206-A5A9-4483411B8BE1}" type="datetimeFigureOut">
               <a:rPr lang="en-US" smtClean="0"/>
-              <a:t>4/22/2021</a:t>
+              <a:t>4/23/2021</a:t>
             </a:fld>
             <a:endParaRPr lang="en-US"/>
           </a:p>
@@ -5054,7 +5055,7 @@
           <a:p>
             <a:fld id="{78C57A7E-E9E9-4206-A5A9-4483411B8BE1}" type="datetimeFigureOut">
               <a:rPr lang="en-US" smtClean="0"/>
-              <a:t>4/22/2021</a:t>
+              <a:t>4/23/2021</a:t>
             </a:fld>
             <a:endParaRPr lang="en-US"/>
           </a:p>
@@ -7171,7 +7172,7 @@
           <a:p>
             <a:fld id="{78C57A7E-E9E9-4206-A5A9-4483411B8BE1}" type="datetimeFigureOut">
               <a:rPr lang="en-US" smtClean="0"/>
-              <a:t>4/22/2021</a:t>
+              <a:t>4/23/2021</a:t>
             </a:fld>
             <a:endParaRPr lang="en-US"/>
           </a:p>
@@ -7817,60 +7818,45 @@
           <a:chExt cx="0" cy="0"/>
         </a:xfrm>
       </p:grpSpPr>
-      <p:sp>
-        <p:nvSpPr>
-          <p:cNvPr id="2" name="Title 1">
+      <p:pic>
+        <p:nvPicPr>
+          <p:cNvPr id="5" name="Content Placeholder 4" descr="Chart, bar chart&#10;&#10;Description automatically generated">
             <a:extLst>
               <a:ext uri="{FF2B5EF4-FFF2-40B4-BE49-F238E27FC236}">
-                <a16:creationId xmlns:a16="http://schemas.microsoft.com/office/drawing/2014/main" id="{ACECC3D9-1CED-4B7C-A5FB-93E83CE7C670}"/>
+                <a16:creationId xmlns:a16="http://schemas.microsoft.com/office/drawing/2014/main" id="{99193DBB-3817-418B-920F-C6EA9009E524}"/>
               </a:ext>
             </a:extLst>
           </p:cNvPr>
-          <p:cNvSpPr>
-            <a:spLocks noGrp="1"/>
-          </p:cNvSpPr>
-          <p:nvPr>
-            <p:ph type="title"/>
-          </p:nvPr>
-        </p:nvSpPr>
-        <p:spPr/>
-        <p:txBody>
-          <a:bodyPr/>
-          <a:lstStyle/>
-          <a:p>
-            <a:endParaRPr lang="en-US"/>
-          </a:p>
-        </p:txBody>
-      </p:sp>
-      <p:sp>
-        <p:nvSpPr>
-          <p:cNvPr id="3" name="Content Placeholder 2">
+          <p:cNvPicPr>
+            <a:picLocks noGrp="1" noChangeAspect="1"/>
+          </p:cNvPicPr>
+          <p:nvPr>
+            <p:ph idx="1"/>
+          </p:nvPr>
+        </p:nvPicPr>
+        <p:blipFill>
+          <a:blip r:embed="rId2">
             <a:extLst>
-              <a:ext uri="{FF2B5EF4-FFF2-40B4-BE49-F238E27FC236}">
-                <a16:creationId xmlns:a16="http://schemas.microsoft.com/office/drawing/2014/main" id="{A48EE5C3-FD5E-4969-B57F-3207FE6F0CFF}"/>
+              <a:ext uri="{28A0092B-C50C-407E-A947-70E740481C1C}">
+                <a14:useLocalDpi xmlns:a14="http://schemas.microsoft.com/office/drawing/2010/main" val="0"/>
               </a:ext>
             </a:extLst>
-          </p:cNvPr>
-          <p:cNvSpPr>
-            <a:spLocks noGrp="1"/>
-          </p:cNvSpPr>
-          <p:nvPr>
-            <p:ph idx="1"/>
-          </p:nvPr>
-        </p:nvSpPr>
-        <p:spPr/>
-        <p:txBody>
-          <a:bodyPr/>
-          <a:lstStyle/>
-          <a:p>
-            <a:endParaRPr lang="en-US"/>
-          </a:p>
-        </p:txBody>
-      </p:sp>
+          </a:blip>
+          <a:stretch>
+            <a:fillRect/>
+          </a:stretch>
+        </p:blipFill>
+        <p:spPr>
+          <a:xfrm>
+            <a:off x="3140414" y="1215161"/>
+            <a:ext cx="8395152" cy="4191339"/>
+          </a:xfrm>
+        </p:spPr>
+      </p:pic>
     </p:spTree>
     <p:extLst>
       <p:ext uri="{BB962C8B-B14F-4D97-AF65-F5344CB8AC3E}">
-        <p14:creationId xmlns:p14="http://schemas.microsoft.com/office/powerpoint/2010/main" val="3401003739"/>
+        <p14:creationId xmlns:p14="http://schemas.microsoft.com/office/powerpoint/2010/main" val="626607187"/>
       </p:ext>
     </p:extLst>
   </p:cSld>
@@ -7902,7 +7888,7 @@
           <p:cNvPr id="2" name="Title 1">
             <a:extLst>
               <a:ext uri="{FF2B5EF4-FFF2-40B4-BE49-F238E27FC236}">
-                <a16:creationId xmlns:a16="http://schemas.microsoft.com/office/drawing/2014/main" id="{61E59C6C-9BCA-4105-9F82-485500A4AF17}"/>
+                <a16:creationId xmlns:a16="http://schemas.microsoft.com/office/drawing/2014/main" id="{D7D27808-1A16-425F-A41B-B4D62D3EBFC8}"/>
               </a:ext>
             </a:extLst>
           </p:cNvPr>
@@ -7913,23 +7899,12 @@
             <p:ph type="title"/>
           </p:nvPr>
         </p:nvSpPr>
-        <p:spPr>
-          <a:xfrm>
-            <a:off x="2592925" y="624110"/>
-            <a:ext cx="8911687" cy="609886"/>
-          </a:xfrm>
-        </p:spPr>
-        <p:txBody>
-          <a:bodyPr>
-            <a:normAutofit fontScale="90000"/>
-          </a:bodyPr>
+        <p:spPr/>
+        <p:txBody>
+          <a:bodyPr/>
           <a:lstStyle/>
           <a:p>
-            <a:r>
-              <a:rPr lang="sr-Latn-RS" dirty="0"/>
-              <a:t>Bowtie</a:t>
-            </a:r>
-            <a:endParaRPr lang="en-US" dirty="0"/>
+            <a:endParaRPr lang="en-US"/>
           </a:p>
         </p:txBody>
       </p:sp>
@@ -7938,7 +7913,7 @@
           <p:cNvPr id="3" name="Content Placeholder 2">
             <a:extLst>
               <a:ext uri="{FF2B5EF4-FFF2-40B4-BE49-F238E27FC236}">
-                <a16:creationId xmlns:a16="http://schemas.microsoft.com/office/drawing/2014/main" id="{F575ABC2-7ABF-41DC-BEF4-0DB34A7C7E37}"/>
+                <a16:creationId xmlns:a16="http://schemas.microsoft.com/office/drawing/2014/main" id="{6AD20860-9829-46DB-89C7-C1A279138A9C}"/>
               </a:ext>
             </a:extLst>
           </p:cNvPr>
@@ -7949,51 +7924,19 @@
             <p:ph idx="1"/>
           </p:nvPr>
         </p:nvSpPr>
-        <p:spPr>
-          <a:xfrm>
-            <a:off x="2589212" y="1358283"/>
-            <a:ext cx="8915400" cy="4552939"/>
-          </a:xfrm>
-        </p:spPr>
-        <p:txBody>
-          <a:bodyPr>
-            <a:normAutofit/>
-          </a:bodyPr>
+        <p:spPr/>
+        <p:txBody>
+          <a:bodyPr/>
           <a:lstStyle/>
           <a:p>
-            <a:r>
-              <a:rPr lang="sr-Latn-RS" dirty="0"/>
-              <a:t>Bowtie je jako brz i memorijski efikasan alajner readova. Alajnuje kratke readove na ljudskom genomu pri brzini od 25 miliona readova dužine od 35 baznih parova po satu. Bowtie indeksira genom Burrows-Wheelerovim indeksom kako bi imao dobru memorijsku efikasnost</a:t>
-            </a:r>
-            <a:endParaRPr lang="en-US" dirty="0"/>
-          </a:p>
-          <a:p>
-            <a:r>
-              <a:rPr lang="sr-Latn-RS" dirty="0"/>
-              <a:t>Međutim ispostavilo se da je nama korisniji Bowtie 2</a:t>
-            </a:r>
-          </a:p>
-          <a:p>
-            <a:r>
-              <a:rPr lang="sr-Latn-RS" dirty="0"/>
-              <a:t>Bowtie 2 je napravljen sa istom namenom, s tim što je posebno dobar u alajnovanju readova od 50 do nekoliko hiljada karaktera i naročito dobar za relativno dugačge genome, na primer sisara. Bowtie 2 za razliku od prethodnika indeksira uz pomoć FM indeksa kako bi održao dobru memorijsku efikasnost. Takođe bowtie 2 podržava „gapped“, „local“ i „paired-end alignment“ modove. </a:t>
-            </a:r>
-            <a:r>
-              <a:rPr lang="sr-Latn-RS"/>
-              <a:t>Gde je nama poslednji bio potreban</a:t>
-            </a:r>
-            <a:r>
-              <a:rPr lang="en-US"/>
-              <a:t>.</a:t>
-            </a:r>
-            <a:endParaRPr lang="en-US" dirty="0"/>
+            <a:endParaRPr lang="en-US"/>
           </a:p>
         </p:txBody>
       </p:sp>
     </p:spTree>
     <p:extLst>
       <p:ext uri="{BB962C8B-B14F-4D97-AF65-F5344CB8AC3E}">
-        <p14:creationId xmlns:p14="http://schemas.microsoft.com/office/powerpoint/2010/main" val="698521340"/>
+        <p14:creationId xmlns:p14="http://schemas.microsoft.com/office/powerpoint/2010/main" val="290115022"/>
       </p:ext>
     </p:extLst>
   </p:cSld>
@@ -8025,7 +7968,7 @@
           <p:cNvPr id="2" name="Title 1">
             <a:extLst>
               <a:ext uri="{FF2B5EF4-FFF2-40B4-BE49-F238E27FC236}">
-                <a16:creationId xmlns:a16="http://schemas.microsoft.com/office/drawing/2014/main" id="{C4571A87-A086-41FC-A4FC-3F95D6B31ACD}"/>
+                <a16:creationId xmlns:a16="http://schemas.microsoft.com/office/drawing/2014/main" id="{61E59C6C-9BCA-4105-9F82-485500A4AF17}"/>
               </a:ext>
             </a:extLst>
           </p:cNvPr>
@@ -8036,12 +7979,23 @@
             <p:ph type="title"/>
           </p:nvPr>
         </p:nvSpPr>
-        <p:spPr/>
-        <p:txBody>
-          <a:bodyPr/>
+        <p:spPr>
+          <a:xfrm>
+            <a:off x="2592925" y="624110"/>
+            <a:ext cx="8911687" cy="609886"/>
+          </a:xfrm>
+        </p:spPr>
+        <p:txBody>
+          <a:bodyPr>
+            <a:normAutofit fontScale="90000"/>
+          </a:bodyPr>
           <a:lstStyle/>
           <a:p>
-            <a:endParaRPr lang="en-US"/>
+            <a:r>
+              <a:rPr lang="sr-Latn-RS" dirty="0"/>
+              <a:t>Bowtie</a:t>
+            </a:r>
+            <a:endParaRPr lang="en-US" dirty="0"/>
           </a:p>
         </p:txBody>
       </p:sp>
@@ -8050,7 +8004,7 @@
           <p:cNvPr id="3" name="Content Placeholder 2">
             <a:extLst>
               <a:ext uri="{FF2B5EF4-FFF2-40B4-BE49-F238E27FC236}">
-                <a16:creationId xmlns:a16="http://schemas.microsoft.com/office/drawing/2014/main" id="{20911C5A-9069-459C-897D-A97ABC7C0A50}"/>
+                <a16:creationId xmlns:a16="http://schemas.microsoft.com/office/drawing/2014/main" id="{F575ABC2-7ABF-41DC-BEF4-0DB34A7C7E37}"/>
               </a:ext>
             </a:extLst>
           </p:cNvPr>
@@ -8061,19 +8015,54 @@
             <p:ph idx="1"/>
           </p:nvPr>
         </p:nvSpPr>
-        <p:spPr/>
-        <p:txBody>
-          <a:bodyPr/>
+        <p:spPr>
+          <a:xfrm>
+            <a:off x="2589212" y="1358283"/>
+            <a:ext cx="8915400" cy="4552939"/>
+          </a:xfrm>
+        </p:spPr>
+        <p:txBody>
+          <a:bodyPr>
+            <a:normAutofit/>
+          </a:bodyPr>
           <a:lstStyle/>
           <a:p>
-            <a:endParaRPr lang="en-US"/>
+            <a:r>
+              <a:rPr lang="sr-Latn-RS" dirty="0"/>
+              <a:t>Bowtie je jako brz i memorijski efikasan alajner readova. Alajnuje kratke readove na ljudskom genomu pri brzini od 25 miliona readova dužine od 35 baznih parova po satu. Bowtie indeksira genom Burrows-Wheelerovim indeksom kako bi imao dobru memorijsku efikasnost</a:t>
+            </a:r>
+            <a:endParaRPr lang="en-US" dirty="0"/>
+          </a:p>
+          <a:p>
+            <a:r>
+              <a:rPr lang="sr-Latn-RS" dirty="0"/>
+              <a:t>Međutim ispostavilo se da je nama korisniji Bowtie 2</a:t>
+            </a:r>
+          </a:p>
+          <a:p>
+            <a:r>
+              <a:rPr lang="sr-Latn-RS" dirty="0"/>
+              <a:t>Bowtie 2 je napravljen sa istom namenom, s tim što je posebno dobar u alajnovanju readova od 50 do nekoliko hiljada karaktera i naročito dobar za relativno dugač</a:t>
+            </a:r>
+            <a:r>
+              <a:rPr lang="en-US" dirty="0"/>
+              <a:t>k</a:t>
+            </a:r>
+            <a:r>
+              <a:rPr lang="sr-Latn-RS" dirty="0"/>
+              <a:t>e genome, na primer sisara. Bowtie 2 za razliku od prethodnika indeksira uz pomoć FM indeksa kako bi održao dobru memorijsku efikasnost. Takođe bowtie 2 podržava „gapped“, „local“ i „paired-end alignment“ modove. Gde je nama poslednji bio potreban</a:t>
+            </a:r>
+            <a:r>
+              <a:rPr lang="en-US" dirty="0"/>
+              <a:t>.</a:t>
+            </a:r>
           </a:p>
         </p:txBody>
       </p:sp>
     </p:spTree>
     <p:extLst>
       <p:ext uri="{BB962C8B-B14F-4D97-AF65-F5344CB8AC3E}">
-        <p14:creationId xmlns:p14="http://schemas.microsoft.com/office/powerpoint/2010/main" val="1506655479"/>
+        <p14:creationId xmlns:p14="http://schemas.microsoft.com/office/powerpoint/2010/main" val="698521340"/>
       </p:ext>
     </p:extLst>
   </p:cSld>
@@ -8100,56 +8089,77 @@
           <a:chExt cx="0" cy="0"/>
         </a:xfrm>
       </p:grpSpPr>
-      <p:sp>
-        <p:nvSpPr>
-          <p:cNvPr id="2" name="Title 1">
+      <p:pic>
+        <p:nvPicPr>
+          <p:cNvPr id="7" name="Picture 6" descr="Text&#10;&#10;Description automatically generated">
             <a:extLst>
               <a:ext uri="{FF2B5EF4-FFF2-40B4-BE49-F238E27FC236}">
-                <a16:creationId xmlns:a16="http://schemas.microsoft.com/office/drawing/2014/main" id="{8F5F951E-FE66-4850-A69F-0D8296320984}"/>
+                <a16:creationId xmlns:a16="http://schemas.microsoft.com/office/drawing/2014/main" id="{A43FBC26-F802-4B97-A7AC-51F1F709E04C}"/>
               </a:ext>
             </a:extLst>
           </p:cNvPr>
-          <p:cNvSpPr>
-            <a:spLocks noGrp="1"/>
-          </p:cNvSpPr>
-          <p:nvPr>
-            <p:ph type="title"/>
-          </p:nvPr>
-        </p:nvSpPr>
-        <p:spPr/>
-        <p:txBody>
-          <a:bodyPr/>
-          <a:lstStyle/>
-          <a:p>
-            <a:endParaRPr lang="en-US"/>
-          </a:p>
-        </p:txBody>
-      </p:sp>
-      <p:sp>
-        <p:nvSpPr>
-          <p:cNvPr id="3" name="Content Placeholder 2">
+          <p:cNvPicPr>
+            <a:picLocks noChangeAspect="1"/>
+          </p:cNvPicPr>
+          <p:nvPr/>
+        </p:nvPicPr>
+        <p:blipFill>
+          <a:blip r:embed="rId2">
+            <a:extLst>
+              <a:ext uri="{28A0092B-C50C-407E-A947-70E740481C1C}">
+                <a14:useLocalDpi xmlns:a14="http://schemas.microsoft.com/office/drawing/2010/main" val="0"/>
+              </a:ext>
+            </a:extLst>
+          </a:blip>
+          <a:stretch>
+            <a:fillRect/>
+          </a:stretch>
+        </p:blipFill>
+        <p:spPr>
+          <a:xfrm>
+            <a:off x="615820" y="415817"/>
+            <a:ext cx="6497476" cy="3435566"/>
+          </a:xfrm>
+          <a:prstGeom prst="rect">
+            <a:avLst/>
+          </a:prstGeom>
+        </p:spPr>
+      </p:pic>
+      <p:pic>
+        <p:nvPicPr>
+          <p:cNvPr id="5" name="Content Placeholder 4" descr="Text&#10;&#10;Description automatically generated">
             <a:extLst>
               <a:ext uri="{FF2B5EF4-FFF2-40B4-BE49-F238E27FC236}">
-                <a16:creationId xmlns:a16="http://schemas.microsoft.com/office/drawing/2014/main" id="{59A9D32C-9136-4E17-A565-599C76726193}"/>
+                <a16:creationId xmlns:a16="http://schemas.microsoft.com/office/drawing/2014/main" id="{6F6EC8B2-FB3A-446B-8CB1-005E0850B72F}"/>
               </a:ext>
             </a:extLst>
           </p:cNvPr>
-          <p:cNvSpPr>
-            <a:spLocks noGrp="1"/>
-          </p:cNvSpPr>
+          <p:cNvPicPr>
+            <a:picLocks noGrp="1" noChangeAspect="1"/>
+          </p:cNvPicPr>
           <p:nvPr>
             <p:ph idx="1"/>
           </p:nvPr>
-        </p:nvSpPr>
-        <p:spPr/>
-        <p:txBody>
-          <a:bodyPr/>
-          <a:lstStyle/>
-          <a:p>
-            <a:endParaRPr lang="en-US"/>
-          </a:p>
-        </p:txBody>
-      </p:sp>
+        </p:nvPicPr>
+        <p:blipFill>
+          <a:blip r:embed="rId3">
+            <a:extLst>
+              <a:ext uri="{28A0092B-C50C-407E-A947-70E740481C1C}">
+                <a14:useLocalDpi xmlns:a14="http://schemas.microsoft.com/office/drawing/2010/main" val="0"/>
+              </a:ext>
+            </a:extLst>
+          </a:blip>
+          <a:stretch>
+            <a:fillRect/>
+          </a:stretch>
+        </p:blipFill>
+        <p:spPr>
+          <a:xfrm>
+            <a:off x="4564803" y="2861388"/>
+            <a:ext cx="6681051" cy="3778250"/>
+          </a:xfrm>
+        </p:spPr>
+      </p:pic>
     </p:spTree>
     <p:extLst>
       <p:ext uri="{BB962C8B-B14F-4D97-AF65-F5344CB8AC3E}">
@@ -8180,6 +8190,143 @@
           <a:chExt cx="0" cy="0"/>
         </a:xfrm>
       </p:grpSpPr>
+      <p:pic>
+        <p:nvPicPr>
+          <p:cNvPr id="5" name="Content Placeholder 4" descr="Text&#10;&#10;Description automatically generated">
+            <a:extLst>
+              <a:ext uri="{FF2B5EF4-FFF2-40B4-BE49-F238E27FC236}">
+                <a16:creationId xmlns:a16="http://schemas.microsoft.com/office/drawing/2014/main" id="{EE26F36B-C3EF-48C2-9155-C32A11ED8AAF}"/>
+              </a:ext>
+            </a:extLst>
+          </p:cNvPr>
+          <p:cNvPicPr>
+            <a:picLocks noGrp="1" noChangeAspect="1"/>
+          </p:cNvPicPr>
+          <p:nvPr>
+            <p:ph idx="1"/>
+          </p:nvPr>
+        </p:nvPicPr>
+        <p:blipFill>
+          <a:blip r:embed="rId2">
+            <a:extLst>
+              <a:ext uri="{28A0092B-C50C-407E-A947-70E740481C1C}">
+                <a14:useLocalDpi xmlns:a14="http://schemas.microsoft.com/office/drawing/2010/main" val="0"/>
+              </a:ext>
+            </a:extLst>
+          </a:blip>
+          <a:stretch>
+            <a:fillRect/>
+          </a:stretch>
+        </p:blipFill>
+        <p:spPr>
+          <a:xfrm>
+            <a:off x="3691222" y="3507168"/>
+            <a:ext cx="5168907" cy="2884398"/>
+          </a:xfrm>
+        </p:spPr>
+      </p:pic>
+      <p:pic>
+        <p:nvPicPr>
+          <p:cNvPr id="7" name="Picture 6">
+            <a:extLst>
+              <a:ext uri="{FF2B5EF4-FFF2-40B4-BE49-F238E27FC236}">
+                <a16:creationId xmlns:a16="http://schemas.microsoft.com/office/drawing/2014/main" id="{26254A52-3E70-45D0-BE41-52C4BD33296A}"/>
+              </a:ext>
+            </a:extLst>
+          </p:cNvPr>
+          <p:cNvPicPr>
+            <a:picLocks noChangeAspect="1"/>
+          </p:cNvPicPr>
+          <p:nvPr/>
+        </p:nvPicPr>
+        <p:blipFill>
+          <a:blip r:embed="rId3">
+            <a:extLst>
+              <a:ext uri="{28A0092B-C50C-407E-A947-70E740481C1C}">
+                <a14:useLocalDpi xmlns:a14="http://schemas.microsoft.com/office/drawing/2010/main" val="0"/>
+              </a:ext>
+            </a:extLst>
+          </a:blip>
+          <a:stretch>
+            <a:fillRect/>
+          </a:stretch>
+        </p:blipFill>
+        <p:spPr>
+          <a:xfrm>
+            <a:off x="6736238" y="413973"/>
+            <a:ext cx="4989231" cy="2910628"/>
+          </a:xfrm>
+          <a:prstGeom prst="rect">
+            <a:avLst/>
+          </a:prstGeom>
+        </p:spPr>
+      </p:pic>
+      <p:pic>
+        <p:nvPicPr>
+          <p:cNvPr id="9" name="Picture 8" descr="Text&#10;&#10;Description automatically generated">
+            <a:extLst>
+              <a:ext uri="{FF2B5EF4-FFF2-40B4-BE49-F238E27FC236}">
+                <a16:creationId xmlns:a16="http://schemas.microsoft.com/office/drawing/2014/main" id="{DA2C3E62-606E-46E1-9D25-A7E5981832AF}"/>
+              </a:ext>
+            </a:extLst>
+          </p:cNvPr>
+          <p:cNvPicPr>
+            <a:picLocks noChangeAspect="1"/>
+          </p:cNvPicPr>
+          <p:nvPr/>
+        </p:nvPicPr>
+        <p:blipFill>
+          <a:blip r:embed="rId4">
+            <a:extLst>
+              <a:ext uri="{28A0092B-C50C-407E-A947-70E740481C1C}">
+                <a14:useLocalDpi xmlns:a14="http://schemas.microsoft.com/office/drawing/2010/main" val="0"/>
+              </a:ext>
+            </a:extLst>
+          </a:blip>
+          <a:stretch>
+            <a:fillRect/>
+          </a:stretch>
+        </p:blipFill>
+        <p:spPr>
+          <a:xfrm>
+            <a:off x="755780" y="413973"/>
+            <a:ext cx="5075853" cy="2910629"/>
+          </a:xfrm>
+          <a:prstGeom prst="rect">
+            <a:avLst/>
+          </a:prstGeom>
+        </p:spPr>
+      </p:pic>
+    </p:spTree>
+    <p:extLst>
+      <p:ext uri="{BB962C8B-B14F-4D97-AF65-F5344CB8AC3E}">
+        <p14:creationId xmlns:p14="http://schemas.microsoft.com/office/powerpoint/2010/main" val="1506655479"/>
+      </p:ext>
+    </p:extLst>
+  </p:cSld>
+  <p:clrMapOvr>
+    <a:masterClrMapping/>
+  </p:clrMapOvr>
+</p:sld>
+</file>
+
+<file path=ppt/slides/slide15.xml><?xml version="1.0" encoding="utf-8"?>
+<p:sld xmlns:a="http://schemas.openxmlformats.org/drawingml/2006/main" xmlns:r="http://schemas.openxmlformats.org/officeDocument/2006/relationships" xmlns:p="http://schemas.openxmlformats.org/presentationml/2006/main">
+  <p:cSld>
+    <p:spTree>
+      <p:nvGrpSpPr>
+        <p:cNvPr id="1" name=""/>
+        <p:cNvGrpSpPr/>
+        <p:nvPr/>
+      </p:nvGrpSpPr>
+      <p:grpSpPr>
+        <a:xfrm>
+          <a:off x="0" y="0"/>
+          <a:ext cx="0" cy="0"/>
+          <a:chOff x="0" y="0"/>
+          <a:chExt cx="0" cy="0"/>
+        </a:xfrm>
+      </p:grpSpPr>
       <p:sp>
         <p:nvSpPr>
           <p:cNvPr id="2" name="Title 1">
@@ -8201,7 +8348,34 @@
           <a:bodyPr/>
           <a:lstStyle/>
           <a:p>
-            <a:endParaRPr lang="en-US"/>
+            <a:r>
+              <a:rPr lang="en-US" dirty="0" err="1"/>
+              <a:t>Hvala</a:t>
+            </a:r>
+            <a:r>
+              <a:rPr lang="en-US" dirty="0"/>
+              <a:t> </a:t>
+            </a:r>
+            <a:r>
+              <a:rPr lang="en-US" dirty="0" err="1"/>
+              <a:t>na</a:t>
+            </a:r>
+            <a:r>
+              <a:rPr lang="en-US" dirty="0"/>
+              <a:t> pa</a:t>
+            </a:r>
+            <a:r>
+              <a:rPr lang="sr-Latn-RS" dirty="0"/>
+              <a:t>ž</a:t>
+            </a:r>
+            <a:r>
+              <a:rPr lang="en-US" dirty="0" err="1"/>
+              <a:t>nji</a:t>
+            </a:r>
+            <a:r>
+              <a:rPr lang="en-US" dirty="0"/>
+              <a:t>!</a:t>
+            </a:r>
           </a:p>
         </p:txBody>
       </p:sp>
@@ -8226,7 +8400,52 @@
           <a:bodyPr/>
           <a:lstStyle/>
           <a:p>
-            <a:endParaRPr lang="en-US"/>
+            <a:r>
+              <a:rPr lang="en-US" dirty="0"/>
+              <a:t>Link ka </a:t>
+            </a:r>
+            <a:r>
+              <a:rPr lang="en-US" dirty="0" err="1"/>
+              <a:t>githubu</a:t>
+            </a:r>
+            <a:r>
+              <a:rPr lang="en-US" dirty="0"/>
+              <a:t> : </a:t>
+            </a:r>
+            <a:r>
+              <a:rPr lang="en-US" dirty="0">
+                <a:hlinkClick r:id="rId2"/>
+              </a:rPr>
+              <a:t>https://github.com/Fenrir996/IluminaPairEndReadSimulator</a:t>
+            </a:r>
+            <a:endParaRPr lang="en-US" dirty="0"/>
+          </a:p>
+          <a:p>
+            <a:r>
+              <a:rPr lang="en-US" dirty="0"/>
+              <a:t>Link ka </a:t>
+            </a:r>
+            <a:r>
+              <a:rPr lang="en-US" dirty="0" err="1"/>
+              <a:t>youtube</a:t>
+            </a:r>
+            <a:r>
+              <a:rPr lang="en-US" dirty="0"/>
+              <a:t> </a:t>
+            </a:r>
+            <a:r>
+              <a:rPr lang="en-US" dirty="0" err="1"/>
+              <a:t>prezentaciji</a:t>
+            </a:r>
+            <a:r>
+              <a:rPr lang="en-US" dirty="0"/>
+              <a:t> </a:t>
+            </a:r>
+            <a:r>
+              <a:rPr lang="sr-Latn-RS"/>
+              <a:t>će moći da se nađe na githubu</a:t>
+            </a:r>
+            <a:endParaRPr lang="en-US" dirty="0"/>
           </a:p>
         </p:txBody>
       </p:sp>
@@ -10600,6 +10819,14 @@
 <file path=ppt/slides/slide8.xml><?xml version="1.0" encoding="utf-8"?>
 <p:sld xmlns:a="http://schemas.openxmlformats.org/drawingml/2006/main" xmlns:r="http://schemas.openxmlformats.org/officeDocument/2006/relationships" xmlns:p="http://schemas.openxmlformats.org/presentationml/2006/main">
   <p:cSld>
+    <p:bg>
+      <p:bgPr>
+        <a:solidFill>
+          <a:schemeClr val="bg1"/>
+        </a:solidFill>
+        <a:effectLst/>
+      </p:bgPr>
+    </p:bg>
     <p:spTree>
       <p:nvGrpSpPr>
         <p:cNvPr id="1" name=""/>
@@ -10614,37 +10841,48 @@
           <a:chExt cx="0" cy="0"/>
         </a:xfrm>
       </p:grpSpPr>
-      <p:sp>
-        <p:nvSpPr>
-          <p:cNvPr id="2" name="Title 1">
+      <p:pic>
+        <p:nvPicPr>
+          <p:cNvPr id="5" name="Content Placeholder 4" descr="Chart, bar chart&#10;&#10;Description automatically generated">
             <a:extLst>
               <a:ext uri="{FF2B5EF4-FFF2-40B4-BE49-F238E27FC236}">
-                <a16:creationId xmlns:a16="http://schemas.microsoft.com/office/drawing/2014/main" id="{6BFCC85D-27E4-4AF2-B335-FCBBBFFEDB58}"/>
+                <a16:creationId xmlns:a16="http://schemas.microsoft.com/office/drawing/2014/main" id="{885FBE42-4211-43B7-ADA7-9E38CE1F87AA}"/>
               </a:ext>
             </a:extLst>
           </p:cNvPr>
-          <p:cNvSpPr>
-            <a:spLocks noGrp="1"/>
-          </p:cNvSpPr>
-          <p:nvPr>
-            <p:ph type="title"/>
-          </p:nvPr>
-        </p:nvSpPr>
-        <p:spPr/>
-        <p:txBody>
-          <a:bodyPr/>
-          <a:lstStyle/>
-          <a:p>
-            <a:endParaRPr lang="en-US"/>
-          </a:p>
-        </p:txBody>
-      </p:sp>
-      <p:sp>
-        <p:nvSpPr>
-          <p:cNvPr id="3" name="Content Placeholder 2">
+          <p:cNvPicPr>
+            <a:picLocks noChangeAspect="1"/>
+          </p:cNvPicPr>
+          <p:nvPr/>
+        </p:nvPicPr>
+        <p:blipFill>
+          <a:blip r:embed="rId2">
+            <a:extLst>
+              <a:ext uri="{28A0092B-C50C-407E-A947-70E740481C1C}">
+                <a14:useLocalDpi xmlns:a14="http://schemas.microsoft.com/office/drawing/2010/main" val="0"/>
+              </a:ext>
+            </a:extLst>
+          </a:blip>
+          <a:stretch>
+            <a:fillRect/>
+          </a:stretch>
+        </p:blipFill>
+        <p:spPr>
+          <a:xfrm>
+            <a:off x="3050500" y="1210920"/>
+            <a:ext cx="7469238" cy="3753292"/>
+          </a:xfrm>
+          <a:prstGeom prst="rect">
+            <a:avLst/>
+          </a:prstGeom>
+        </p:spPr>
+      </p:pic>
+      <p:sp>
+        <p:nvSpPr>
+          <p:cNvPr id="9" name="Content Placeholder 8">
             <a:extLst>
               <a:ext uri="{FF2B5EF4-FFF2-40B4-BE49-F238E27FC236}">
-                <a16:creationId xmlns:a16="http://schemas.microsoft.com/office/drawing/2014/main" id="{F2BAA948-0131-406D-AC2D-FFA799C97767}"/>
+                <a16:creationId xmlns:a16="http://schemas.microsoft.com/office/drawing/2014/main" id="{48DAE118-C97E-4C39-989F-82FB9E734D36}"/>
               </a:ext>
             </a:extLst>
           </p:cNvPr>
@@ -10657,10 +10895,123 @@
         </p:nvSpPr>
         <p:spPr/>
         <p:txBody>
-          <a:bodyPr/>
+          <a:bodyPr>
+            <a:normAutofit fontScale="92500" lnSpcReduction="20000"/>
+          </a:bodyPr>
           <a:lstStyle/>
           <a:p>
-            <a:endParaRPr lang="en-US"/>
+            <a:pPr marL="0" indent="0">
+              <a:buNone/>
+            </a:pPr>
+            <a:endParaRPr lang="en-US" dirty="0"/>
+          </a:p>
+          <a:p>
+            <a:pPr marL="0" indent="0">
+              <a:buNone/>
+            </a:pPr>
+            <a:endParaRPr lang="en-US" dirty="0"/>
+          </a:p>
+          <a:p>
+            <a:pPr marL="0" indent="0">
+              <a:buNone/>
+            </a:pPr>
+            <a:endParaRPr lang="en-US" dirty="0"/>
+          </a:p>
+          <a:p>
+            <a:pPr marL="0" indent="0">
+              <a:buNone/>
+            </a:pPr>
+            <a:endParaRPr lang="en-US" dirty="0"/>
+          </a:p>
+          <a:p>
+            <a:pPr marL="0" indent="0">
+              <a:buNone/>
+            </a:pPr>
+            <a:endParaRPr lang="en-US" dirty="0"/>
+          </a:p>
+          <a:p>
+            <a:pPr marL="0" indent="0">
+              <a:buNone/>
+            </a:pPr>
+            <a:endParaRPr lang="en-US" dirty="0"/>
+          </a:p>
+          <a:p>
+            <a:pPr marL="0" indent="0">
+              <a:buNone/>
+            </a:pPr>
+            <a:endParaRPr lang="en-US" dirty="0"/>
+          </a:p>
+          <a:p>
+            <a:pPr marL="0" indent="0">
+              <a:buNone/>
+            </a:pPr>
+            <a:endParaRPr lang="en-US" dirty="0"/>
+          </a:p>
+          <a:p>
+            <a:pPr marL="0" indent="0">
+              <a:buNone/>
+            </a:pPr>
+            <a:endParaRPr lang="en-US" dirty="0"/>
+          </a:p>
+          <a:p>
+            <a:pPr marL="0" indent="0">
+              <a:buNone/>
+            </a:pPr>
+            <a:endParaRPr lang="en-US" dirty="0"/>
+          </a:p>
+          <a:p>
+            <a:pPr marL="0" indent="0">
+              <a:buNone/>
+            </a:pPr>
+            <a:r>
+              <a:rPr lang="en-US" dirty="0"/>
+              <a:t>** Errors </a:t>
+            </a:r>
+            <a:r>
+              <a:rPr lang="en-US" dirty="0" err="1"/>
+              <a:t>su</a:t>
+            </a:r>
+            <a:r>
+              <a:rPr lang="en-US" dirty="0"/>
+              <a:t> </a:t>
+            </a:r>
+            <a:r>
+              <a:rPr lang="en-US" dirty="0" err="1"/>
+              <a:t>insert_rate</a:t>
+            </a:r>
+            <a:r>
+              <a:rPr lang="en-US" dirty="0"/>
+              <a:t>, </a:t>
+            </a:r>
+            <a:r>
+              <a:rPr lang="en-US" dirty="0" err="1"/>
+              <a:t>delete_rate</a:t>
+            </a:r>
+            <a:r>
+              <a:rPr lang="en-US" dirty="0"/>
+              <a:t> </a:t>
+            </a:r>
+            <a:r>
+              <a:rPr lang="en-US" dirty="0" err="1"/>
+              <a:t>i</a:t>
+            </a:r>
+            <a:r>
+              <a:rPr lang="en-US" dirty="0"/>
+              <a:t> </a:t>
+            </a:r>
+            <a:r>
+              <a:rPr lang="en-US" dirty="0" err="1"/>
+              <a:t>snv_rate</a:t>
+            </a:r>
+            <a:r>
+              <a:rPr lang="en-US" dirty="0"/>
+              <a:t> </a:t>
+            </a:r>
+            <a:r>
+              <a:rPr lang="en-US" dirty="0" err="1"/>
+              <a:t>respektivno</a:t>
+            </a:r>
+            <a:endParaRPr lang="en-US" dirty="0"/>
           </a:p>
         </p:txBody>
       </p:sp>
@@ -10694,60 +11045,45 @@
           <a:chExt cx="0" cy="0"/>
         </a:xfrm>
       </p:grpSpPr>
-      <p:sp>
-        <p:nvSpPr>
-          <p:cNvPr id="2" name="Title 1">
+      <p:pic>
+        <p:nvPicPr>
+          <p:cNvPr id="5" name="Content Placeholder 4" descr="Chart, bar chart&#10;&#10;Description automatically generated">
             <a:extLst>
               <a:ext uri="{FF2B5EF4-FFF2-40B4-BE49-F238E27FC236}">
-                <a16:creationId xmlns:a16="http://schemas.microsoft.com/office/drawing/2014/main" id="{3CE3CAC1-C48E-48D3-AC67-B9D0B93E75AF}"/>
+                <a16:creationId xmlns:a16="http://schemas.microsoft.com/office/drawing/2014/main" id="{E432E6F8-ED71-4C43-8B78-BB28D48E3654}"/>
               </a:ext>
             </a:extLst>
           </p:cNvPr>
-          <p:cNvSpPr>
-            <a:spLocks noGrp="1"/>
-          </p:cNvSpPr>
-          <p:nvPr>
-            <p:ph type="title"/>
-          </p:nvPr>
-        </p:nvSpPr>
-        <p:spPr/>
-        <p:txBody>
-          <a:bodyPr/>
-          <a:lstStyle/>
-          <a:p>
-            <a:endParaRPr lang="en-US"/>
-          </a:p>
-        </p:txBody>
-      </p:sp>
-      <p:sp>
-        <p:nvSpPr>
-          <p:cNvPr id="3" name="Content Placeholder 2">
+          <p:cNvPicPr>
+            <a:picLocks noGrp="1" noChangeAspect="1"/>
+          </p:cNvPicPr>
+          <p:nvPr>
+            <p:ph idx="1"/>
+          </p:nvPr>
+        </p:nvPicPr>
+        <p:blipFill>
+          <a:blip r:embed="rId2">
             <a:extLst>
-              <a:ext uri="{FF2B5EF4-FFF2-40B4-BE49-F238E27FC236}">
-                <a16:creationId xmlns:a16="http://schemas.microsoft.com/office/drawing/2014/main" id="{F921D703-C573-4E9A-B669-900767C89BAC}"/>
+              <a:ext uri="{28A0092B-C50C-407E-A947-70E740481C1C}">
+                <a14:useLocalDpi xmlns:a14="http://schemas.microsoft.com/office/drawing/2010/main" val="0"/>
               </a:ext>
             </a:extLst>
-          </p:cNvPr>
-          <p:cNvSpPr>
-            <a:spLocks noGrp="1"/>
-          </p:cNvSpPr>
-          <p:nvPr>
-            <p:ph idx="1"/>
-          </p:nvPr>
-        </p:nvSpPr>
-        <p:spPr/>
-        <p:txBody>
-          <a:bodyPr/>
-          <a:lstStyle/>
-          <a:p>
-            <a:endParaRPr lang="en-US"/>
-          </a:p>
-        </p:txBody>
-      </p:sp>
+          </a:blip>
+          <a:stretch>
+            <a:fillRect/>
+          </a:stretch>
+        </p:blipFill>
+        <p:spPr>
+          <a:xfrm>
+            <a:off x="2530136" y="1123795"/>
+            <a:ext cx="9087839" cy="4530555"/>
+          </a:xfrm>
+        </p:spPr>
+      </p:pic>
     </p:spTree>
     <p:extLst>
       <p:ext uri="{BB962C8B-B14F-4D97-AF65-F5344CB8AC3E}">
-        <p14:creationId xmlns:p14="http://schemas.microsoft.com/office/powerpoint/2010/main" val="626607187"/>
+        <p14:creationId xmlns:p14="http://schemas.microsoft.com/office/powerpoint/2010/main" val="3401003739"/>
       </p:ext>
     </p:extLst>
   </p:cSld>

--- a/IluminaPairEndReadSimulator presentation.pptx
+++ b/IluminaPairEndReadSimulator presentation.pptx
@@ -19,7 +19,8 @@
     <p:sldId id="266" r:id="rId13"/>
     <p:sldId id="268" r:id="rId14"/>
     <p:sldId id="267" r:id="rId15"/>
-    <p:sldId id="269" r:id="rId16"/>
+    <p:sldId id="271" r:id="rId16"/>
+    <p:sldId id="269" r:id="rId17"/>
   </p:sldIdLst>
   <p:sldSz cx="12192000" cy="6858000"/>
   <p:notesSz cx="6858000" cy="9144000"/>
@@ -314,7 +315,7 @@
           <a:p>
             <a:fld id="{78C57A7E-E9E9-4206-A5A9-4483411B8BE1}" type="datetimeFigureOut">
               <a:rPr lang="en-US" smtClean="0"/>
-              <a:t>4/23/2021</a:t>
+              <a:t>4/25/2021</a:t>
             </a:fld>
             <a:endParaRPr lang="en-US"/>
           </a:p>
@@ -652,7 +653,7 @@
           <a:p>
             <a:fld id="{78C57A7E-E9E9-4206-A5A9-4483411B8BE1}" type="datetimeFigureOut">
               <a:rPr lang="en-US" smtClean="0"/>
-              <a:t>4/23/2021</a:t>
+              <a:t>4/25/2021</a:t>
             </a:fld>
             <a:endParaRPr lang="en-US"/>
           </a:p>
@@ -1053,7 +1054,7 @@
           <a:p>
             <a:fld id="{78C57A7E-E9E9-4206-A5A9-4483411B8BE1}" type="datetimeFigureOut">
               <a:rPr lang="en-US" smtClean="0"/>
-              <a:t>4/23/2021</a:t>
+              <a:t>4/25/2021</a:t>
             </a:fld>
             <a:endParaRPr lang="en-US"/>
           </a:p>
@@ -1389,7 +1390,7 @@
           <a:p>
             <a:fld id="{78C57A7E-E9E9-4206-A5A9-4483411B8BE1}" type="datetimeFigureOut">
               <a:rPr lang="en-US" smtClean="0"/>
-              <a:t>4/23/2021</a:t>
+              <a:t>4/25/2021</a:t>
             </a:fld>
             <a:endParaRPr lang="en-US"/>
           </a:p>
@@ -1709,7 +1710,7 @@
           <a:p>
             <a:fld id="{78C57A7E-E9E9-4206-A5A9-4483411B8BE1}" type="datetimeFigureOut">
               <a:rPr lang="en-US" smtClean="0"/>
-              <a:t>4/23/2021</a:t>
+              <a:t>4/25/2021</a:t>
             </a:fld>
             <a:endParaRPr lang="en-US"/>
           </a:p>
@@ -2105,7 +2106,7 @@
           <a:p>
             <a:fld id="{78C57A7E-E9E9-4206-A5A9-4483411B8BE1}" type="datetimeFigureOut">
               <a:rPr lang="en-US" smtClean="0"/>
-              <a:t>4/23/2021</a:t>
+              <a:t>4/25/2021</a:t>
             </a:fld>
             <a:endParaRPr lang="en-US"/>
           </a:p>
@@ -2362,7 +2363,7 @@
           <a:p>
             <a:fld id="{78C57A7E-E9E9-4206-A5A9-4483411B8BE1}" type="datetimeFigureOut">
               <a:rPr lang="en-US" smtClean="0"/>
-              <a:t>4/23/2021</a:t>
+              <a:t>4/25/2021</a:t>
             </a:fld>
             <a:endParaRPr lang="en-US"/>
           </a:p>
@@ -2624,7 +2625,7 @@
           <a:p>
             <a:fld id="{78C57A7E-E9E9-4206-A5A9-4483411B8BE1}" type="datetimeFigureOut">
               <a:rPr lang="en-US" smtClean="0"/>
-              <a:t>4/23/2021</a:t>
+              <a:t>4/25/2021</a:t>
             </a:fld>
             <a:endParaRPr lang="en-US"/>
           </a:p>
@@ -2886,7 +2887,7 @@
           <a:p>
             <a:fld id="{78C57A7E-E9E9-4206-A5A9-4483411B8BE1}" type="datetimeFigureOut">
               <a:rPr lang="en-US" smtClean="0"/>
-              <a:t>4/23/2021</a:t>
+              <a:t>4/25/2021</a:t>
             </a:fld>
             <a:endParaRPr lang="en-US"/>
           </a:p>
@@ -3215,7 +3216,7 @@
           <a:p>
             <a:fld id="{78C57A7E-E9E9-4206-A5A9-4483411B8BE1}" type="datetimeFigureOut">
               <a:rPr lang="en-US" smtClean="0"/>
-              <a:t>4/23/2021</a:t>
+              <a:t>4/25/2021</a:t>
             </a:fld>
             <a:endParaRPr lang="en-US"/>
           </a:p>
@@ -3538,7 +3539,7 @@
           <a:p>
             <a:fld id="{78C57A7E-E9E9-4206-A5A9-4483411B8BE1}" type="datetimeFigureOut">
               <a:rPr lang="en-US" smtClean="0"/>
-              <a:t>4/23/2021</a:t>
+              <a:t>4/25/2021</a:t>
             </a:fld>
             <a:endParaRPr lang="en-US"/>
           </a:p>
@@ -3995,7 +3996,7 @@
           <a:p>
             <a:fld id="{78C57A7E-E9E9-4206-A5A9-4483411B8BE1}" type="datetimeFigureOut">
               <a:rPr lang="en-US" smtClean="0"/>
-              <a:t>4/23/2021</a:t>
+              <a:t>4/25/2021</a:t>
             </a:fld>
             <a:endParaRPr lang="en-US"/>
           </a:p>
@@ -4200,7 +4201,7 @@
           <a:p>
             <a:fld id="{78C57A7E-E9E9-4206-A5A9-4483411B8BE1}" type="datetimeFigureOut">
               <a:rPr lang="en-US" smtClean="0"/>
-              <a:t>4/23/2021</a:t>
+              <a:t>4/25/2021</a:t>
             </a:fld>
             <a:endParaRPr lang="en-US"/>
           </a:p>
@@ -4377,7 +4378,7 @@
           <a:p>
             <a:fld id="{78C57A7E-E9E9-4206-A5A9-4483411B8BE1}" type="datetimeFigureOut">
               <a:rPr lang="en-US" smtClean="0"/>
-              <a:t>4/23/2021</a:t>
+              <a:t>4/25/2021</a:t>
             </a:fld>
             <a:endParaRPr lang="en-US"/>
           </a:p>
@@ -4710,7 +4711,7 @@
           <a:p>
             <a:fld id="{78C57A7E-E9E9-4206-A5A9-4483411B8BE1}" type="datetimeFigureOut">
               <a:rPr lang="en-US" smtClean="0"/>
-              <a:t>4/23/2021</a:t>
+              <a:t>4/25/2021</a:t>
             </a:fld>
             <a:endParaRPr lang="en-US"/>
           </a:p>
@@ -5055,7 +5056,7 @@
           <a:p>
             <a:fld id="{78C57A7E-E9E9-4206-A5A9-4483411B8BE1}" type="datetimeFigureOut">
               <a:rPr lang="en-US" smtClean="0"/>
-              <a:t>4/23/2021</a:t>
+              <a:t>4/25/2021</a:t>
             </a:fld>
             <a:endParaRPr lang="en-US"/>
           </a:p>
@@ -7172,7 +7173,7 @@
           <a:p>
             <a:fld id="{78C57A7E-E9E9-4206-A5A9-4483411B8BE1}" type="datetimeFigureOut">
               <a:rPr lang="en-US" smtClean="0"/>
-              <a:t>4/23/2021</a:t>
+              <a:t>4/25/2021</a:t>
             </a:fld>
             <a:endParaRPr lang="en-US"/>
           </a:p>
@@ -7743,7 +7744,7 @@
           <a:p>
             <a:r>
               <a:rPr lang="sr-Latn-RS" dirty="0"/>
-              <a:t>Marko Jovanović </a:t>
+              <a:t>Nikola Jokić </a:t>
             </a:r>
             <a:r>
               <a:rPr lang="en-US" dirty="0"/>
@@ -7753,7 +7754,7 @@
           <a:p>
             <a:r>
               <a:rPr lang="sr-Latn-RS" dirty="0"/>
-              <a:t>Nikola Jokić </a:t>
+              <a:t>Marko Jovanović </a:t>
             </a:r>
             <a:r>
               <a:rPr lang="en-US" dirty="0"/>
@@ -7883,56 +7884,41 @@
           <a:chExt cx="0" cy="0"/>
         </a:xfrm>
       </p:grpSpPr>
-      <p:sp>
-        <p:nvSpPr>
-          <p:cNvPr id="2" name="Title 1">
+      <p:pic>
+        <p:nvPicPr>
+          <p:cNvPr id="5" name="Content Placeholder 4" descr="Chart, bar chart&#10;&#10;Description automatically generated">
             <a:extLst>
               <a:ext uri="{FF2B5EF4-FFF2-40B4-BE49-F238E27FC236}">
-                <a16:creationId xmlns:a16="http://schemas.microsoft.com/office/drawing/2014/main" id="{D7D27808-1A16-425F-A41B-B4D62D3EBFC8}"/>
+                <a16:creationId xmlns:a16="http://schemas.microsoft.com/office/drawing/2014/main" id="{1FCD6792-1804-4DA9-9A05-96D5AD87F82D}"/>
               </a:ext>
             </a:extLst>
           </p:cNvPr>
-          <p:cNvSpPr>
-            <a:spLocks noGrp="1"/>
-          </p:cNvSpPr>
-          <p:nvPr>
-            <p:ph type="title"/>
-          </p:nvPr>
-        </p:nvSpPr>
-        <p:spPr/>
-        <p:txBody>
-          <a:bodyPr/>
-          <a:lstStyle/>
-          <a:p>
-            <a:endParaRPr lang="en-US"/>
-          </a:p>
-        </p:txBody>
-      </p:sp>
-      <p:sp>
-        <p:nvSpPr>
-          <p:cNvPr id="3" name="Content Placeholder 2">
+          <p:cNvPicPr>
+            <a:picLocks noGrp="1" noChangeAspect="1"/>
+          </p:cNvPicPr>
+          <p:nvPr>
+            <p:ph idx="1"/>
+          </p:nvPr>
+        </p:nvPicPr>
+        <p:blipFill>
+          <a:blip r:embed="rId2">
             <a:extLst>
-              <a:ext uri="{FF2B5EF4-FFF2-40B4-BE49-F238E27FC236}">
-                <a16:creationId xmlns:a16="http://schemas.microsoft.com/office/drawing/2014/main" id="{6AD20860-9829-46DB-89C7-C1A279138A9C}"/>
+              <a:ext uri="{28A0092B-C50C-407E-A947-70E740481C1C}">
+                <a14:useLocalDpi xmlns:a14="http://schemas.microsoft.com/office/drawing/2010/main" val="0"/>
               </a:ext>
             </a:extLst>
-          </p:cNvPr>
-          <p:cNvSpPr>
-            <a:spLocks noGrp="1"/>
-          </p:cNvSpPr>
-          <p:nvPr>
-            <p:ph idx="1"/>
-          </p:nvPr>
-        </p:nvSpPr>
-        <p:spPr/>
-        <p:txBody>
-          <a:bodyPr/>
-          <a:lstStyle/>
-          <a:p>
-            <a:endParaRPr lang="en-US"/>
-          </a:p>
-        </p:txBody>
-      </p:sp>
+          </a:blip>
+          <a:stretch>
+            <a:fillRect/>
+          </a:stretch>
+        </p:blipFill>
+        <p:spPr>
+          <a:xfrm>
+            <a:off x="1937883" y="1294227"/>
+            <a:ext cx="9351538" cy="4645758"/>
+          </a:xfrm>
+        </p:spPr>
+      </p:pic>
     </p:spTree>
     <p:extLst>
       <p:ext uri="{BB962C8B-B14F-4D97-AF65-F5344CB8AC3E}">
@@ -8311,6 +8297,96 @@
 </file>
 
 <file path=ppt/slides/slide15.xml><?xml version="1.0" encoding="utf-8"?>
+<p:sld xmlns:a="http://schemas.openxmlformats.org/drawingml/2006/main" xmlns:r="http://schemas.openxmlformats.org/officeDocument/2006/relationships" xmlns:p="http://schemas.openxmlformats.org/presentationml/2006/main">
+  <p:cSld>
+    <p:spTree>
+      <p:nvGrpSpPr>
+        <p:cNvPr id="1" name=""/>
+        <p:cNvGrpSpPr/>
+        <p:nvPr/>
+      </p:nvGrpSpPr>
+      <p:grpSpPr>
+        <a:xfrm>
+          <a:off x="0" y="0"/>
+          <a:ext cx="0" cy="0"/>
+          <a:chOff x="0" y="0"/>
+          <a:chExt cx="0" cy="0"/>
+        </a:xfrm>
+      </p:grpSpPr>
+      <p:sp>
+        <p:nvSpPr>
+          <p:cNvPr id="2" name="Title 1">
+            <a:extLst>
+              <a:ext uri="{FF2B5EF4-FFF2-40B4-BE49-F238E27FC236}">
+                <a16:creationId xmlns:a16="http://schemas.microsoft.com/office/drawing/2014/main" id="{59C13570-21ED-4663-A0A4-6A34D50FFFD9}"/>
+              </a:ext>
+            </a:extLst>
+          </p:cNvPr>
+          <p:cNvSpPr>
+            <a:spLocks noGrp="1"/>
+          </p:cNvSpPr>
+          <p:nvPr>
+            <p:ph type="title"/>
+          </p:nvPr>
+        </p:nvSpPr>
+        <p:spPr/>
+        <p:txBody>
+          <a:bodyPr/>
+          <a:lstStyle/>
+          <a:p>
+            <a:endParaRPr lang="en-US" dirty="0"/>
+          </a:p>
+        </p:txBody>
+      </p:sp>
+      <p:pic>
+        <p:nvPicPr>
+          <p:cNvPr id="5" name="Content Placeholder 4" descr="Text&#10;&#10;Description automatically generated">
+            <a:extLst>
+              <a:ext uri="{FF2B5EF4-FFF2-40B4-BE49-F238E27FC236}">
+                <a16:creationId xmlns:a16="http://schemas.microsoft.com/office/drawing/2014/main" id="{083C8A38-C376-4766-B38F-2925D316145E}"/>
+              </a:ext>
+            </a:extLst>
+          </p:cNvPr>
+          <p:cNvPicPr>
+            <a:picLocks noGrp="1" noChangeAspect="1"/>
+          </p:cNvPicPr>
+          <p:nvPr>
+            <p:ph idx="1"/>
+          </p:nvPr>
+        </p:nvPicPr>
+        <p:blipFill>
+          <a:blip r:embed="rId2">
+            <a:extLst>
+              <a:ext uri="{28A0092B-C50C-407E-A947-70E740481C1C}">
+                <a14:useLocalDpi xmlns:a14="http://schemas.microsoft.com/office/drawing/2010/main" val="0"/>
+              </a:ext>
+            </a:extLst>
+          </a:blip>
+          <a:stretch>
+            <a:fillRect/>
+          </a:stretch>
+        </p:blipFill>
+        <p:spPr>
+          <a:xfrm>
+            <a:off x="2592925" y="1266093"/>
+            <a:ext cx="8125648" cy="4589487"/>
+          </a:xfrm>
+        </p:spPr>
+      </p:pic>
+    </p:spTree>
+    <p:extLst>
+      <p:ext uri="{BB962C8B-B14F-4D97-AF65-F5344CB8AC3E}">
+        <p14:creationId xmlns:p14="http://schemas.microsoft.com/office/powerpoint/2010/main" val="805621368"/>
+      </p:ext>
+    </p:extLst>
+  </p:cSld>
+  <p:clrMapOvr>
+    <a:masterClrMapping/>
+  </p:clrMapOvr>
+</p:sld>
+</file>
+
+<file path=ppt/slides/slide16.xml><?xml version="1.0" encoding="utf-8"?>
 <p:sld xmlns:a="http://schemas.openxmlformats.org/drawingml/2006/main" xmlns:r="http://schemas.openxmlformats.org/officeDocument/2006/relationships" xmlns:p="http://schemas.openxmlformats.org/presentationml/2006/main">
   <p:cSld>
     <p:spTree>

--- a/IluminaPairEndReadSimulator presentation.pptx
+++ b/IluminaPairEndReadSimulator presentation.pptx
@@ -12,15 +12,11 @@
     <p:sldId id="260" r:id="rId6"/>
     <p:sldId id="261" r:id="rId7"/>
     <p:sldId id="262" r:id="rId8"/>
-    <p:sldId id="263" r:id="rId9"/>
-    <p:sldId id="265" r:id="rId10"/>
-    <p:sldId id="264" r:id="rId11"/>
-    <p:sldId id="270" r:id="rId12"/>
-    <p:sldId id="266" r:id="rId13"/>
-    <p:sldId id="268" r:id="rId14"/>
-    <p:sldId id="267" r:id="rId15"/>
-    <p:sldId id="271" r:id="rId16"/>
-    <p:sldId id="269" r:id="rId17"/>
+    <p:sldId id="266" r:id="rId9"/>
+    <p:sldId id="263" r:id="rId10"/>
+    <p:sldId id="272" r:id="rId11"/>
+    <p:sldId id="273" r:id="rId12"/>
+    <p:sldId id="269" r:id="rId13"/>
   </p:sldIdLst>
   <p:sldSz cx="12192000" cy="6858000"/>
   <p:notesSz cx="6858000" cy="9144000"/>
@@ -315,7 +311,7 @@
           <a:p>
             <a:fld id="{78C57A7E-E9E9-4206-A5A9-4483411B8BE1}" type="datetimeFigureOut">
               <a:rPr lang="en-US" smtClean="0"/>
-              <a:t>4/25/2021</a:t>
+              <a:t>5/5/2021</a:t>
             </a:fld>
             <a:endParaRPr lang="en-US"/>
           </a:p>
@@ -653,7 +649,7 @@
           <a:p>
             <a:fld id="{78C57A7E-E9E9-4206-A5A9-4483411B8BE1}" type="datetimeFigureOut">
               <a:rPr lang="en-US" smtClean="0"/>
-              <a:t>4/25/2021</a:t>
+              <a:t>5/5/2021</a:t>
             </a:fld>
             <a:endParaRPr lang="en-US"/>
           </a:p>
@@ -1054,7 +1050,7 @@
           <a:p>
             <a:fld id="{78C57A7E-E9E9-4206-A5A9-4483411B8BE1}" type="datetimeFigureOut">
               <a:rPr lang="en-US" smtClean="0"/>
-              <a:t>4/25/2021</a:t>
+              <a:t>5/5/2021</a:t>
             </a:fld>
             <a:endParaRPr lang="en-US"/>
           </a:p>
@@ -1390,7 +1386,7 @@
           <a:p>
             <a:fld id="{78C57A7E-E9E9-4206-A5A9-4483411B8BE1}" type="datetimeFigureOut">
               <a:rPr lang="en-US" smtClean="0"/>
-              <a:t>4/25/2021</a:t>
+              <a:t>5/5/2021</a:t>
             </a:fld>
             <a:endParaRPr lang="en-US"/>
           </a:p>
@@ -1710,7 +1706,7 @@
           <a:p>
             <a:fld id="{78C57A7E-E9E9-4206-A5A9-4483411B8BE1}" type="datetimeFigureOut">
               <a:rPr lang="en-US" smtClean="0"/>
-              <a:t>4/25/2021</a:t>
+              <a:t>5/5/2021</a:t>
             </a:fld>
             <a:endParaRPr lang="en-US"/>
           </a:p>
@@ -2106,7 +2102,7 @@
           <a:p>
             <a:fld id="{78C57A7E-E9E9-4206-A5A9-4483411B8BE1}" type="datetimeFigureOut">
               <a:rPr lang="en-US" smtClean="0"/>
-              <a:t>4/25/2021</a:t>
+              <a:t>5/5/2021</a:t>
             </a:fld>
             <a:endParaRPr lang="en-US"/>
           </a:p>
@@ -2363,7 +2359,7 @@
           <a:p>
             <a:fld id="{78C57A7E-E9E9-4206-A5A9-4483411B8BE1}" type="datetimeFigureOut">
               <a:rPr lang="en-US" smtClean="0"/>
-              <a:t>4/25/2021</a:t>
+              <a:t>5/5/2021</a:t>
             </a:fld>
             <a:endParaRPr lang="en-US"/>
           </a:p>
@@ -2625,7 +2621,7 @@
           <a:p>
             <a:fld id="{78C57A7E-E9E9-4206-A5A9-4483411B8BE1}" type="datetimeFigureOut">
               <a:rPr lang="en-US" smtClean="0"/>
-              <a:t>4/25/2021</a:t>
+              <a:t>5/5/2021</a:t>
             </a:fld>
             <a:endParaRPr lang="en-US"/>
           </a:p>
@@ -2887,7 +2883,7 @@
           <a:p>
             <a:fld id="{78C57A7E-E9E9-4206-A5A9-4483411B8BE1}" type="datetimeFigureOut">
               <a:rPr lang="en-US" smtClean="0"/>
-              <a:t>4/25/2021</a:t>
+              <a:t>5/5/2021</a:t>
             </a:fld>
             <a:endParaRPr lang="en-US"/>
           </a:p>
@@ -3216,7 +3212,7 @@
           <a:p>
             <a:fld id="{78C57A7E-E9E9-4206-A5A9-4483411B8BE1}" type="datetimeFigureOut">
               <a:rPr lang="en-US" smtClean="0"/>
-              <a:t>4/25/2021</a:t>
+              <a:t>5/5/2021</a:t>
             </a:fld>
             <a:endParaRPr lang="en-US"/>
           </a:p>
@@ -3539,7 +3535,7 @@
           <a:p>
             <a:fld id="{78C57A7E-E9E9-4206-A5A9-4483411B8BE1}" type="datetimeFigureOut">
               <a:rPr lang="en-US" smtClean="0"/>
-              <a:t>4/25/2021</a:t>
+              <a:t>5/5/2021</a:t>
             </a:fld>
             <a:endParaRPr lang="en-US"/>
           </a:p>
@@ -3996,7 +3992,7 @@
           <a:p>
             <a:fld id="{78C57A7E-E9E9-4206-A5A9-4483411B8BE1}" type="datetimeFigureOut">
               <a:rPr lang="en-US" smtClean="0"/>
-              <a:t>4/25/2021</a:t>
+              <a:t>5/5/2021</a:t>
             </a:fld>
             <a:endParaRPr lang="en-US"/>
           </a:p>
@@ -4201,7 +4197,7 @@
           <a:p>
             <a:fld id="{78C57A7E-E9E9-4206-A5A9-4483411B8BE1}" type="datetimeFigureOut">
               <a:rPr lang="en-US" smtClean="0"/>
-              <a:t>4/25/2021</a:t>
+              <a:t>5/5/2021</a:t>
             </a:fld>
             <a:endParaRPr lang="en-US"/>
           </a:p>
@@ -4378,7 +4374,7 @@
           <a:p>
             <a:fld id="{78C57A7E-E9E9-4206-A5A9-4483411B8BE1}" type="datetimeFigureOut">
               <a:rPr lang="en-US" smtClean="0"/>
-              <a:t>4/25/2021</a:t>
+              <a:t>5/5/2021</a:t>
             </a:fld>
             <a:endParaRPr lang="en-US"/>
           </a:p>
@@ -4711,7 +4707,7 @@
           <a:p>
             <a:fld id="{78C57A7E-E9E9-4206-A5A9-4483411B8BE1}" type="datetimeFigureOut">
               <a:rPr lang="en-US" smtClean="0"/>
-              <a:t>4/25/2021</a:t>
+              <a:t>5/5/2021</a:t>
             </a:fld>
             <a:endParaRPr lang="en-US"/>
           </a:p>
@@ -5056,7 +5052,7 @@
           <a:p>
             <a:fld id="{78C57A7E-E9E9-4206-A5A9-4483411B8BE1}" type="datetimeFigureOut">
               <a:rPr lang="en-US" smtClean="0"/>
-              <a:t>4/25/2021</a:t>
+              <a:t>5/5/2021</a:t>
             </a:fld>
             <a:endParaRPr lang="en-US"/>
           </a:p>
@@ -7173,7 +7169,7 @@
           <a:p>
             <a:fld id="{78C57A7E-E9E9-4206-A5A9-4483411B8BE1}" type="datetimeFigureOut">
               <a:rPr lang="en-US" smtClean="0"/>
-              <a:t>4/25/2021</a:t>
+              <a:t>5/5/2021</a:t>
             </a:fld>
             <a:endParaRPr lang="en-US"/>
           </a:p>
@@ -7805,6 +7801,14 @@
 <file path=ppt/slides/slide10.xml><?xml version="1.0" encoding="utf-8"?>
 <p:sld xmlns:a="http://schemas.openxmlformats.org/drawingml/2006/main" xmlns:r="http://schemas.openxmlformats.org/officeDocument/2006/relationships" xmlns:p="http://schemas.openxmlformats.org/presentationml/2006/main">
   <p:cSld>
+    <p:bg>
+      <p:bgPr>
+        <a:solidFill>
+          <a:schemeClr val="bg1"/>
+        </a:solidFill>
+        <a:effectLst/>
+      </p:bgPr>
+    </p:bg>
     <p:spTree>
       <p:nvGrpSpPr>
         <p:cNvPr id="1" name=""/>
@@ -7821,19 +7825,17 @@
       </p:grpSpPr>
       <p:pic>
         <p:nvPicPr>
-          <p:cNvPr id="5" name="Content Placeholder 4" descr="Chart, bar chart&#10;&#10;Description automatically generated">
+          <p:cNvPr id="5" name="Content Placeholder 4">
             <a:extLst>
               <a:ext uri="{FF2B5EF4-FFF2-40B4-BE49-F238E27FC236}">
-                <a16:creationId xmlns:a16="http://schemas.microsoft.com/office/drawing/2014/main" id="{99193DBB-3817-418B-920F-C6EA9009E524}"/>
+                <a16:creationId xmlns:a16="http://schemas.microsoft.com/office/drawing/2014/main" id="{885FBE42-4211-43B7-ADA7-9E38CE1F87AA}"/>
               </a:ext>
             </a:extLst>
           </p:cNvPr>
           <p:cNvPicPr>
-            <a:picLocks noGrp="1" noChangeAspect="1"/>
+            <a:picLocks noChangeAspect="1"/>
           </p:cNvPicPr>
-          <p:nvPr>
-            <p:ph idx="1"/>
-          </p:nvPr>
+          <p:nvPr/>
         </p:nvPicPr>
         <p:blipFill>
           <a:blip r:embed="rId2">
@@ -7843,21 +7845,23 @@
               </a:ext>
             </a:extLst>
           </a:blip>
-          <a:stretch>
-            <a:fillRect/>
-          </a:stretch>
+          <a:srcRect/>
+          <a:stretch/>
         </p:blipFill>
         <p:spPr>
           <a:xfrm>
-            <a:off x="3140414" y="1215161"/>
-            <a:ext cx="8395152" cy="4191339"/>
+            <a:off x="1642719" y="661092"/>
+            <a:ext cx="9597988" cy="4798994"/>
           </a:xfrm>
+          <a:prstGeom prst="rect">
+            <a:avLst/>
+          </a:prstGeom>
         </p:spPr>
       </p:pic>
     </p:spTree>
     <p:extLst>
       <p:ext uri="{BB962C8B-B14F-4D97-AF65-F5344CB8AC3E}">
-        <p14:creationId xmlns:p14="http://schemas.microsoft.com/office/powerpoint/2010/main" val="626607187"/>
+        <p14:creationId xmlns:p14="http://schemas.microsoft.com/office/powerpoint/2010/main" val="3003672041"/>
       </p:ext>
     </p:extLst>
   </p:cSld>
@@ -7870,6 +7874,14 @@
 <file path=ppt/slides/slide11.xml><?xml version="1.0" encoding="utf-8"?>
 <p:sld xmlns:a="http://schemas.openxmlformats.org/drawingml/2006/main" xmlns:r="http://schemas.openxmlformats.org/officeDocument/2006/relationships" xmlns:p="http://schemas.openxmlformats.org/presentationml/2006/main">
   <p:cSld>
+    <p:bg>
+      <p:bgPr>
+        <a:solidFill>
+          <a:schemeClr val="bg1"/>
+        </a:solidFill>
+        <a:effectLst/>
+      </p:bgPr>
+    </p:bg>
     <p:spTree>
       <p:nvGrpSpPr>
         <p:cNvPr id="1" name=""/>
@@ -7886,201 +7898,10 @@
       </p:grpSpPr>
       <p:pic>
         <p:nvPicPr>
-          <p:cNvPr id="5" name="Content Placeholder 4" descr="Chart, bar chart&#10;&#10;Description automatically generated">
+          <p:cNvPr id="5" name="Content Placeholder 4">
             <a:extLst>
               <a:ext uri="{FF2B5EF4-FFF2-40B4-BE49-F238E27FC236}">
-                <a16:creationId xmlns:a16="http://schemas.microsoft.com/office/drawing/2014/main" id="{1FCD6792-1804-4DA9-9A05-96D5AD87F82D}"/>
-              </a:ext>
-            </a:extLst>
-          </p:cNvPr>
-          <p:cNvPicPr>
-            <a:picLocks noGrp="1" noChangeAspect="1"/>
-          </p:cNvPicPr>
-          <p:nvPr>
-            <p:ph idx="1"/>
-          </p:nvPr>
-        </p:nvPicPr>
-        <p:blipFill>
-          <a:blip r:embed="rId2">
-            <a:extLst>
-              <a:ext uri="{28A0092B-C50C-407E-A947-70E740481C1C}">
-                <a14:useLocalDpi xmlns:a14="http://schemas.microsoft.com/office/drawing/2010/main" val="0"/>
-              </a:ext>
-            </a:extLst>
-          </a:blip>
-          <a:stretch>
-            <a:fillRect/>
-          </a:stretch>
-        </p:blipFill>
-        <p:spPr>
-          <a:xfrm>
-            <a:off x="1937883" y="1294227"/>
-            <a:ext cx="9351538" cy="4645758"/>
-          </a:xfrm>
-        </p:spPr>
-      </p:pic>
-    </p:spTree>
-    <p:extLst>
-      <p:ext uri="{BB962C8B-B14F-4D97-AF65-F5344CB8AC3E}">
-        <p14:creationId xmlns:p14="http://schemas.microsoft.com/office/powerpoint/2010/main" val="290115022"/>
-      </p:ext>
-    </p:extLst>
-  </p:cSld>
-  <p:clrMapOvr>
-    <a:masterClrMapping/>
-  </p:clrMapOvr>
-</p:sld>
-</file>
-
-<file path=ppt/slides/slide12.xml><?xml version="1.0" encoding="utf-8"?>
-<p:sld xmlns:a="http://schemas.openxmlformats.org/drawingml/2006/main" xmlns:r="http://schemas.openxmlformats.org/officeDocument/2006/relationships" xmlns:p="http://schemas.openxmlformats.org/presentationml/2006/main">
-  <p:cSld>
-    <p:spTree>
-      <p:nvGrpSpPr>
-        <p:cNvPr id="1" name=""/>
-        <p:cNvGrpSpPr/>
-        <p:nvPr/>
-      </p:nvGrpSpPr>
-      <p:grpSpPr>
-        <a:xfrm>
-          <a:off x="0" y="0"/>
-          <a:ext cx="0" cy="0"/>
-          <a:chOff x="0" y="0"/>
-          <a:chExt cx="0" cy="0"/>
-        </a:xfrm>
-      </p:grpSpPr>
-      <p:sp>
-        <p:nvSpPr>
-          <p:cNvPr id="2" name="Title 1">
-            <a:extLst>
-              <a:ext uri="{FF2B5EF4-FFF2-40B4-BE49-F238E27FC236}">
-                <a16:creationId xmlns:a16="http://schemas.microsoft.com/office/drawing/2014/main" id="{61E59C6C-9BCA-4105-9F82-485500A4AF17}"/>
-              </a:ext>
-            </a:extLst>
-          </p:cNvPr>
-          <p:cNvSpPr>
-            <a:spLocks noGrp="1"/>
-          </p:cNvSpPr>
-          <p:nvPr>
-            <p:ph type="title"/>
-          </p:nvPr>
-        </p:nvSpPr>
-        <p:spPr>
-          <a:xfrm>
-            <a:off x="2592925" y="624110"/>
-            <a:ext cx="8911687" cy="609886"/>
-          </a:xfrm>
-        </p:spPr>
-        <p:txBody>
-          <a:bodyPr>
-            <a:normAutofit fontScale="90000"/>
-          </a:bodyPr>
-          <a:lstStyle/>
-          <a:p>
-            <a:r>
-              <a:rPr lang="sr-Latn-RS" dirty="0"/>
-              <a:t>Bowtie</a:t>
-            </a:r>
-            <a:endParaRPr lang="en-US" dirty="0"/>
-          </a:p>
-        </p:txBody>
-      </p:sp>
-      <p:sp>
-        <p:nvSpPr>
-          <p:cNvPr id="3" name="Content Placeholder 2">
-            <a:extLst>
-              <a:ext uri="{FF2B5EF4-FFF2-40B4-BE49-F238E27FC236}">
-                <a16:creationId xmlns:a16="http://schemas.microsoft.com/office/drawing/2014/main" id="{F575ABC2-7ABF-41DC-BEF4-0DB34A7C7E37}"/>
-              </a:ext>
-            </a:extLst>
-          </p:cNvPr>
-          <p:cNvSpPr>
-            <a:spLocks noGrp="1"/>
-          </p:cNvSpPr>
-          <p:nvPr>
-            <p:ph idx="1"/>
-          </p:nvPr>
-        </p:nvSpPr>
-        <p:spPr>
-          <a:xfrm>
-            <a:off x="2589212" y="1358283"/>
-            <a:ext cx="8915400" cy="4552939"/>
-          </a:xfrm>
-        </p:spPr>
-        <p:txBody>
-          <a:bodyPr>
-            <a:normAutofit/>
-          </a:bodyPr>
-          <a:lstStyle/>
-          <a:p>
-            <a:r>
-              <a:rPr lang="sr-Latn-RS" dirty="0"/>
-              <a:t>Bowtie je jako brz i memorijski efikasan alajner readova. Alajnuje kratke readove na ljudskom genomu pri brzini od 25 miliona readova dužine od 35 baznih parova po satu. Bowtie indeksira genom Burrows-Wheelerovim indeksom kako bi imao dobru memorijsku efikasnost</a:t>
-            </a:r>
-            <a:endParaRPr lang="en-US" dirty="0"/>
-          </a:p>
-          <a:p>
-            <a:r>
-              <a:rPr lang="sr-Latn-RS" dirty="0"/>
-              <a:t>Međutim ispostavilo se da je nama korisniji Bowtie 2</a:t>
-            </a:r>
-          </a:p>
-          <a:p>
-            <a:r>
-              <a:rPr lang="sr-Latn-RS" dirty="0"/>
-              <a:t>Bowtie 2 je napravljen sa istom namenom, s tim što je posebno dobar u alajnovanju readova od 50 do nekoliko hiljada karaktera i naročito dobar za relativno dugač</a:t>
-            </a:r>
-            <a:r>
-              <a:rPr lang="en-US" dirty="0"/>
-              <a:t>k</a:t>
-            </a:r>
-            <a:r>
-              <a:rPr lang="sr-Latn-RS" dirty="0"/>
-              <a:t>e genome, na primer sisara. Bowtie 2 za razliku od prethodnika indeksira uz pomoć FM indeksa kako bi održao dobru memorijsku efikasnost. Takođe bowtie 2 podržava „gapped“, „local“ i „paired-end alignment“ modove. Gde je nama poslednji bio potreban</a:t>
-            </a:r>
-            <a:r>
-              <a:rPr lang="en-US" dirty="0"/>
-              <a:t>.</a:t>
-            </a:r>
-          </a:p>
-        </p:txBody>
-      </p:sp>
-    </p:spTree>
-    <p:extLst>
-      <p:ext uri="{BB962C8B-B14F-4D97-AF65-F5344CB8AC3E}">
-        <p14:creationId xmlns:p14="http://schemas.microsoft.com/office/powerpoint/2010/main" val="698521340"/>
-      </p:ext>
-    </p:extLst>
-  </p:cSld>
-  <p:clrMapOvr>
-    <a:masterClrMapping/>
-  </p:clrMapOvr>
-</p:sld>
-</file>
-
-<file path=ppt/slides/slide13.xml><?xml version="1.0" encoding="utf-8"?>
-<p:sld xmlns:a="http://schemas.openxmlformats.org/drawingml/2006/main" xmlns:r="http://schemas.openxmlformats.org/officeDocument/2006/relationships" xmlns:p="http://schemas.openxmlformats.org/presentationml/2006/main">
-  <p:cSld>
-    <p:spTree>
-      <p:nvGrpSpPr>
-        <p:cNvPr id="1" name=""/>
-        <p:cNvGrpSpPr/>
-        <p:nvPr/>
-      </p:nvGrpSpPr>
-      <p:grpSpPr>
-        <a:xfrm>
-          <a:off x="0" y="0"/>
-          <a:ext cx="0" cy="0"/>
-          <a:chOff x="0" y="0"/>
-          <a:chExt cx="0" cy="0"/>
-        </a:xfrm>
-      </p:grpSpPr>
-      <p:pic>
-        <p:nvPicPr>
-          <p:cNvPr id="7" name="Picture 6" descr="Text&#10;&#10;Description automatically generated">
-            <a:extLst>
-              <a:ext uri="{FF2B5EF4-FFF2-40B4-BE49-F238E27FC236}">
-                <a16:creationId xmlns:a16="http://schemas.microsoft.com/office/drawing/2014/main" id="{A43FBC26-F802-4B97-A7AC-51F1F709E04C}"/>
+                <a16:creationId xmlns:a16="http://schemas.microsoft.com/office/drawing/2014/main" id="{885FBE42-4211-43B7-ADA7-9E38CE1F87AA}"/>
               </a:ext>
             </a:extLst>
           </p:cNvPr>
@@ -8097,59 +7918,23 @@
               </a:ext>
             </a:extLst>
           </a:blip>
-          <a:stretch>
-            <a:fillRect/>
-          </a:stretch>
+          <a:srcRect/>
+          <a:stretch/>
         </p:blipFill>
         <p:spPr>
           <a:xfrm>
-            <a:off x="615820" y="415817"/>
-            <a:ext cx="6497476" cy="3435566"/>
+            <a:off x="1642719" y="661092"/>
+            <a:ext cx="9597988" cy="4798994"/>
           </a:xfrm>
           <a:prstGeom prst="rect">
             <a:avLst/>
           </a:prstGeom>
         </p:spPr>
       </p:pic>
-      <p:pic>
-        <p:nvPicPr>
-          <p:cNvPr id="5" name="Content Placeholder 4" descr="Text&#10;&#10;Description automatically generated">
-            <a:extLst>
-              <a:ext uri="{FF2B5EF4-FFF2-40B4-BE49-F238E27FC236}">
-                <a16:creationId xmlns:a16="http://schemas.microsoft.com/office/drawing/2014/main" id="{6F6EC8B2-FB3A-446B-8CB1-005E0850B72F}"/>
-              </a:ext>
-            </a:extLst>
-          </p:cNvPr>
-          <p:cNvPicPr>
-            <a:picLocks noGrp="1" noChangeAspect="1"/>
-          </p:cNvPicPr>
-          <p:nvPr>
-            <p:ph idx="1"/>
-          </p:nvPr>
-        </p:nvPicPr>
-        <p:blipFill>
-          <a:blip r:embed="rId3">
-            <a:extLst>
-              <a:ext uri="{28A0092B-C50C-407E-A947-70E740481C1C}">
-                <a14:useLocalDpi xmlns:a14="http://schemas.microsoft.com/office/drawing/2010/main" val="0"/>
-              </a:ext>
-            </a:extLst>
-          </a:blip>
-          <a:stretch>
-            <a:fillRect/>
-          </a:stretch>
-        </p:blipFill>
-        <p:spPr>
-          <a:xfrm>
-            <a:off x="4564803" y="2861388"/>
-            <a:ext cx="6681051" cy="3778250"/>
-          </a:xfrm>
-        </p:spPr>
-      </p:pic>
     </p:spTree>
     <p:extLst>
       <p:ext uri="{BB962C8B-B14F-4D97-AF65-F5344CB8AC3E}">
-        <p14:creationId xmlns:p14="http://schemas.microsoft.com/office/powerpoint/2010/main" val="3335109920"/>
+        <p14:creationId xmlns:p14="http://schemas.microsoft.com/office/powerpoint/2010/main" val="599523069"/>
       </p:ext>
     </p:extLst>
   </p:cSld>
@@ -8159,234 +7944,7 @@
 </p:sld>
 </file>
 
-<file path=ppt/slides/slide14.xml><?xml version="1.0" encoding="utf-8"?>
-<p:sld xmlns:a="http://schemas.openxmlformats.org/drawingml/2006/main" xmlns:r="http://schemas.openxmlformats.org/officeDocument/2006/relationships" xmlns:p="http://schemas.openxmlformats.org/presentationml/2006/main">
-  <p:cSld>
-    <p:spTree>
-      <p:nvGrpSpPr>
-        <p:cNvPr id="1" name=""/>
-        <p:cNvGrpSpPr/>
-        <p:nvPr/>
-      </p:nvGrpSpPr>
-      <p:grpSpPr>
-        <a:xfrm>
-          <a:off x="0" y="0"/>
-          <a:ext cx="0" cy="0"/>
-          <a:chOff x="0" y="0"/>
-          <a:chExt cx="0" cy="0"/>
-        </a:xfrm>
-      </p:grpSpPr>
-      <p:pic>
-        <p:nvPicPr>
-          <p:cNvPr id="5" name="Content Placeholder 4" descr="Text&#10;&#10;Description automatically generated">
-            <a:extLst>
-              <a:ext uri="{FF2B5EF4-FFF2-40B4-BE49-F238E27FC236}">
-                <a16:creationId xmlns:a16="http://schemas.microsoft.com/office/drawing/2014/main" id="{EE26F36B-C3EF-48C2-9155-C32A11ED8AAF}"/>
-              </a:ext>
-            </a:extLst>
-          </p:cNvPr>
-          <p:cNvPicPr>
-            <a:picLocks noGrp="1" noChangeAspect="1"/>
-          </p:cNvPicPr>
-          <p:nvPr>
-            <p:ph idx="1"/>
-          </p:nvPr>
-        </p:nvPicPr>
-        <p:blipFill>
-          <a:blip r:embed="rId2">
-            <a:extLst>
-              <a:ext uri="{28A0092B-C50C-407E-A947-70E740481C1C}">
-                <a14:useLocalDpi xmlns:a14="http://schemas.microsoft.com/office/drawing/2010/main" val="0"/>
-              </a:ext>
-            </a:extLst>
-          </a:blip>
-          <a:stretch>
-            <a:fillRect/>
-          </a:stretch>
-        </p:blipFill>
-        <p:spPr>
-          <a:xfrm>
-            <a:off x="3691222" y="3507168"/>
-            <a:ext cx="5168907" cy="2884398"/>
-          </a:xfrm>
-        </p:spPr>
-      </p:pic>
-      <p:pic>
-        <p:nvPicPr>
-          <p:cNvPr id="7" name="Picture 6">
-            <a:extLst>
-              <a:ext uri="{FF2B5EF4-FFF2-40B4-BE49-F238E27FC236}">
-                <a16:creationId xmlns:a16="http://schemas.microsoft.com/office/drawing/2014/main" id="{26254A52-3E70-45D0-BE41-52C4BD33296A}"/>
-              </a:ext>
-            </a:extLst>
-          </p:cNvPr>
-          <p:cNvPicPr>
-            <a:picLocks noChangeAspect="1"/>
-          </p:cNvPicPr>
-          <p:nvPr/>
-        </p:nvPicPr>
-        <p:blipFill>
-          <a:blip r:embed="rId3">
-            <a:extLst>
-              <a:ext uri="{28A0092B-C50C-407E-A947-70E740481C1C}">
-                <a14:useLocalDpi xmlns:a14="http://schemas.microsoft.com/office/drawing/2010/main" val="0"/>
-              </a:ext>
-            </a:extLst>
-          </a:blip>
-          <a:stretch>
-            <a:fillRect/>
-          </a:stretch>
-        </p:blipFill>
-        <p:spPr>
-          <a:xfrm>
-            <a:off x="6736238" y="413973"/>
-            <a:ext cx="4989231" cy="2910628"/>
-          </a:xfrm>
-          <a:prstGeom prst="rect">
-            <a:avLst/>
-          </a:prstGeom>
-        </p:spPr>
-      </p:pic>
-      <p:pic>
-        <p:nvPicPr>
-          <p:cNvPr id="9" name="Picture 8" descr="Text&#10;&#10;Description automatically generated">
-            <a:extLst>
-              <a:ext uri="{FF2B5EF4-FFF2-40B4-BE49-F238E27FC236}">
-                <a16:creationId xmlns:a16="http://schemas.microsoft.com/office/drawing/2014/main" id="{DA2C3E62-606E-46E1-9D25-A7E5981832AF}"/>
-              </a:ext>
-            </a:extLst>
-          </p:cNvPr>
-          <p:cNvPicPr>
-            <a:picLocks noChangeAspect="1"/>
-          </p:cNvPicPr>
-          <p:nvPr/>
-        </p:nvPicPr>
-        <p:blipFill>
-          <a:blip r:embed="rId4">
-            <a:extLst>
-              <a:ext uri="{28A0092B-C50C-407E-A947-70E740481C1C}">
-                <a14:useLocalDpi xmlns:a14="http://schemas.microsoft.com/office/drawing/2010/main" val="0"/>
-              </a:ext>
-            </a:extLst>
-          </a:blip>
-          <a:stretch>
-            <a:fillRect/>
-          </a:stretch>
-        </p:blipFill>
-        <p:spPr>
-          <a:xfrm>
-            <a:off x="755780" y="413973"/>
-            <a:ext cx="5075853" cy="2910629"/>
-          </a:xfrm>
-          <a:prstGeom prst="rect">
-            <a:avLst/>
-          </a:prstGeom>
-        </p:spPr>
-      </p:pic>
-    </p:spTree>
-    <p:extLst>
-      <p:ext uri="{BB962C8B-B14F-4D97-AF65-F5344CB8AC3E}">
-        <p14:creationId xmlns:p14="http://schemas.microsoft.com/office/powerpoint/2010/main" val="1506655479"/>
-      </p:ext>
-    </p:extLst>
-  </p:cSld>
-  <p:clrMapOvr>
-    <a:masterClrMapping/>
-  </p:clrMapOvr>
-</p:sld>
-</file>
-
-<file path=ppt/slides/slide15.xml><?xml version="1.0" encoding="utf-8"?>
-<p:sld xmlns:a="http://schemas.openxmlformats.org/drawingml/2006/main" xmlns:r="http://schemas.openxmlformats.org/officeDocument/2006/relationships" xmlns:p="http://schemas.openxmlformats.org/presentationml/2006/main">
-  <p:cSld>
-    <p:spTree>
-      <p:nvGrpSpPr>
-        <p:cNvPr id="1" name=""/>
-        <p:cNvGrpSpPr/>
-        <p:nvPr/>
-      </p:nvGrpSpPr>
-      <p:grpSpPr>
-        <a:xfrm>
-          <a:off x="0" y="0"/>
-          <a:ext cx="0" cy="0"/>
-          <a:chOff x="0" y="0"/>
-          <a:chExt cx="0" cy="0"/>
-        </a:xfrm>
-      </p:grpSpPr>
-      <p:sp>
-        <p:nvSpPr>
-          <p:cNvPr id="2" name="Title 1">
-            <a:extLst>
-              <a:ext uri="{FF2B5EF4-FFF2-40B4-BE49-F238E27FC236}">
-                <a16:creationId xmlns:a16="http://schemas.microsoft.com/office/drawing/2014/main" id="{59C13570-21ED-4663-A0A4-6A34D50FFFD9}"/>
-              </a:ext>
-            </a:extLst>
-          </p:cNvPr>
-          <p:cNvSpPr>
-            <a:spLocks noGrp="1"/>
-          </p:cNvSpPr>
-          <p:nvPr>
-            <p:ph type="title"/>
-          </p:nvPr>
-        </p:nvSpPr>
-        <p:spPr/>
-        <p:txBody>
-          <a:bodyPr/>
-          <a:lstStyle/>
-          <a:p>
-            <a:endParaRPr lang="en-US" dirty="0"/>
-          </a:p>
-        </p:txBody>
-      </p:sp>
-      <p:pic>
-        <p:nvPicPr>
-          <p:cNvPr id="5" name="Content Placeholder 4" descr="Text&#10;&#10;Description automatically generated">
-            <a:extLst>
-              <a:ext uri="{FF2B5EF4-FFF2-40B4-BE49-F238E27FC236}">
-                <a16:creationId xmlns:a16="http://schemas.microsoft.com/office/drawing/2014/main" id="{083C8A38-C376-4766-B38F-2925D316145E}"/>
-              </a:ext>
-            </a:extLst>
-          </p:cNvPr>
-          <p:cNvPicPr>
-            <a:picLocks noGrp="1" noChangeAspect="1"/>
-          </p:cNvPicPr>
-          <p:nvPr>
-            <p:ph idx="1"/>
-          </p:nvPr>
-        </p:nvPicPr>
-        <p:blipFill>
-          <a:blip r:embed="rId2">
-            <a:extLst>
-              <a:ext uri="{28A0092B-C50C-407E-A947-70E740481C1C}">
-                <a14:useLocalDpi xmlns:a14="http://schemas.microsoft.com/office/drawing/2010/main" val="0"/>
-              </a:ext>
-            </a:extLst>
-          </a:blip>
-          <a:stretch>
-            <a:fillRect/>
-          </a:stretch>
-        </p:blipFill>
-        <p:spPr>
-          <a:xfrm>
-            <a:off x="2592925" y="1266093"/>
-            <a:ext cx="8125648" cy="4589487"/>
-          </a:xfrm>
-        </p:spPr>
-      </p:pic>
-    </p:spTree>
-    <p:extLst>
-      <p:ext uri="{BB962C8B-B14F-4D97-AF65-F5344CB8AC3E}">
-        <p14:creationId xmlns:p14="http://schemas.microsoft.com/office/powerpoint/2010/main" val="805621368"/>
-      </p:ext>
-    </p:extLst>
-  </p:cSld>
-  <p:clrMapOvr>
-    <a:masterClrMapping/>
-  </p:clrMapOvr>
-</p:sld>
-</file>
-
-<file path=ppt/slides/slide16.xml><?xml version="1.0" encoding="utf-8"?>
+<file path=ppt/slides/slide12.xml><?xml version="1.0" encoding="utf-8"?>
 <p:sld xmlns:a="http://schemas.openxmlformats.org/drawingml/2006/main" xmlns:r="http://schemas.openxmlformats.org/officeDocument/2006/relationships" xmlns:p="http://schemas.openxmlformats.org/presentationml/2006/main">
   <p:cSld>
     <p:spTree>
@@ -10895,6 +10453,132 @@
 <file path=ppt/slides/slide8.xml><?xml version="1.0" encoding="utf-8"?>
 <p:sld xmlns:a="http://schemas.openxmlformats.org/drawingml/2006/main" xmlns:r="http://schemas.openxmlformats.org/officeDocument/2006/relationships" xmlns:p="http://schemas.openxmlformats.org/presentationml/2006/main">
   <p:cSld>
+    <p:spTree>
+      <p:nvGrpSpPr>
+        <p:cNvPr id="1" name=""/>
+        <p:cNvGrpSpPr/>
+        <p:nvPr/>
+      </p:nvGrpSpPr>
+      <p:grpSpPr>
+        <a:xfrm>
+          <a:off x="0" y="0"/>
+          <a:ext cx="0" cy="0"/>
+          <a:chOff x="0" y="0"/>
+          <a:chExt cx="0" cy="0"/>
+        </a:xfrm>
+      </p:grpSpPr>
+      <p:sp>
+        <p:nvSpPr>
+          <p:cNvPr id="2" name="Title 1">
+            <a:extLst>
+              <a:ext uri="{FF2B5EF4-FFF2-40B4-BE49-F238E27FC236}">
+                <a16:creationId xmlns:a16="http://schemas.microsoft.com/office/drawing/2014/main" id="{61E59C6C-9BCA-4105-9F82-485500A4AF17}"/>
+              </a:ext>
+            </a:extLst>
+          </p:cNvPr>
+          <p:cNvSpPr>
+            <a:spLocks noGrp="1"/>
+          </p:cNvSpPr>
+          <p:nvPr>
+            <p:ph type="title"/>
+          </p:nvPr>
+        </p:nvSpPr>
+        <p:spPr>
+          <a:xfrm>
+            <a:off x="2592925" y="624110"/>
+            <a:ext cx="8911687" cy="609886"/>
+          </a:xfrm>
+        </p:spPr>
+        <p:txBody>
+          <a:bodyPr>
+            <a:normAutofit fontScale="90000"/>
+          </a:bodyPr>
+          <a:lstStyle/>
+          <a:p>
+            <a:r>
+              <a:rPr lang="sr-Latn-RS" dirty="0"/>
+              <a:t>Bowtie</a:t>
+            </a:r>
+            <a:endParaRPr lang="en-US" dirty="0"/>
+          </a:p>
+        </p:txBody>
+      </p:sp>
+      <p:sp>
+        <p:nvSpPr>
+          <p:cNvPr id="3" name="Content Placeholder 2">
+            <a:extLst>
+              <a:ext uri="{FF2B5EF4-FFF2-40B4-BE49-F238E27FC236}">
+                <a16:creationId xmlns:a16="http://schemas.microsoft.com/office/drawing/2014/main" id="{F575ABC2-7ABF-41DC-BEF4-0DB34A7C7E37}"/>
+              </a:ext>
+            </a:extLst>
+          </p:cNvPr>
+          <p:cNvSpPr>
+            <a:spLocks noGrp="1"/>
+          </p:cNvSpPr>
+          <p:nvPr>
+            <p:ph idx="1"/>
+          </p:nvPr>
+        </p:nvSpPr>
+        <p:spPr>
+          <a:xfrm>
+            <a:off x="2589212" y="1358283"/>
+            <a:ext cx="8915400" cy="4552939"/>
+          </a:xfrm>
+        </p:spPr>
+        <p:txBody>
+          <a:bodyPr>
+            <a:normAutofit/>
+          </a:bodyPr>
+          <a:lstStyle/>
+          <a:p>
+            <a:r>
+              <a:rPr lang="sr-Latn-RS" dirty="0"/>
+              <a:t>Bowtie je jako brz i memorijski efikasan alajner readova. Alajnuje kratke readove na ljudskom genomu pri brzini od 25 miliona readova dužine od 35 baznih parova po satu. Bowtie indeksira genom Burrows-Wheelerovim indeksom kako bi imao dobru memorijsku efikasnost</a:t>
+            </a:r>
+            <a:endParaRPr lang="en-US" dirty="0"/>
+          </a:p>
+          <a:p>
+            <a:r>
+              <a:rPr lang="sr-Latn-RS" dirty="0"/>
+              <a:t>Međutim ispostavilo se da je nama korisniji Bowtie 2</a:t>
+            </a:r>
+          </a:p>
+          <a:p>
+            <a:r>
+              <a:rPr lang="sr-Latn-RS" dirty="0"/>
+              <a:t>Bowtie 2 je napravljen sa istom namenom, s tim što je posebno dobar u alajnovanju readova od 50 do nekoliko hiljada karaktera i naročito dobar za relativno dugač</a:t>
+            </a:r>
+            <a:r>
+              <a:rPr lang="en-US" dirty="0"/>
+              <a:t>k</a:t>
+            </a:r>
+            <a:r>
+              <a:rPr lang="sr-Latn-RS" dirty="0"/>
+              <a:t>e genome, na primer sisara. Bowtie 2 za razliku od prethodnika indeksira uz pomoć FM indeksa kako bi održao dobru memorijsku efikasnost. Takođe bowtie 2 podržava „gapped“, „local“ i „paired-end alignment“ modove. Gde je nama poslednji bio potreban</a:t>
+            </a:r>
+            <a:r>
+              <a:rPr lang="en-US" dirty="0"/>
+              <a:t>.</a:t>
+            </a:r>
+          </a:p>
+        </p:txBody>
+      </p:sp>
+    </p:spTree>
+    <p:extLst>
+      <p:ext uri="{BB962C8B-B14F-4D97-AF65-F5344CB8AC3E}">
+        <p14:creationId xmlns:p14="http://schemas.microsoft.com/office/powerpoint/2010/main" val="698521340"/>
+      </p:ext>
+    </p:extLst>
+  </p:cSld>
+  <p:clrMapOvr>
+    <a:masterClrMapping/>
+  </p:clrMapOvr>
+</p:sld>
+</file>
+
+<file path=ppt/slides/slide9.xml><?xml version="1.0" encoding="utf-8"?>
+<p:sld xmlns:a="http://schemas.openxmlformats.org/drawingml/2006/main" xmlns:r="http://schemas.openxmlformats.org/officeDocument/2006/relationships" xmlns:p="http://schemas.openxmlformats.org/presentationml/2006/main">
+  <p:cSld>
     <p:bg>
       <p:bgPr>
         <a:solidFill>
@@ -10919,7 +10603,7 @@
       </p:grpSpPr>
       <p:pic>
         <p:nvPicPr>
-          <p:cNvPr id="5" name="Content Placeholder 4" descr="Chart, bar chart&#10;&#10;Description automatically generated">
+          <p:cNvPr id="5" name="Content Placeholder 4">
             <a:extLst>
               <a:ext uri="{FF2B5EF4-FFF2-40B4-BE49-F238E27FC236}">
                 <a16:creationId xmlns:a16="http://schemas.microsoft.com/office/drawing/2014/main" id="{885FBE42-4211-43B7-ADA7-9E38CE1F87AA}"/>
@@ -10939,14 +10623,13 @@
               </a:ext>
             </a:extLst>
           </a:blip>
-          <a:stretch>
-            <a:fillRect/>
-          </a:stretch>
+          <a:srcRect/>
+          <a:stretch/>
         </p:blipFill>
         <p:spPr>
           <a:xfrm>
-            <a:off x="3050500" y="1210920"/>
-            <a:ext cx="7469238" cy="3753292"/>
+            <a:off x="1642718" y="661092"/>
+            <a:ext cx="9597991" cy="4798994"/>
           </a:xfrm>
           <a:prstGeom prst="rect">
             <a:avLst/>
@@ -11053,19 +10736,19 @@
             </a:r>
             <a:r>
               <a:rPr lang="en-US" dirty="0" err="1"/>
-              <a:t>insert_rate</a:t>
+              <a:t>delete_rate</a:t>
+            </a:r>
+            <a:r>
+              <a:rPr lang="en-US"/>
+              <a:t>, insert</a:t>
+            </a:r>
+            <a:r>
+              <a:rPr lang="en-US" dirty="0" err="1"/>
+              <a:t>_rate</a:t>
             </a:r>
             <a:r>
               <a:rPr lang="en-US" dirty="0"/>
               <a:t>, </a:t>
-            </a:r>
-            <a:r>
-              <a:rPr lang="en-US" dirty="0" err="1"/>
-              <a:t>delete_rate</a:t>
-            </a:r>
-            <a:r>
-              <a:rPr lang="en-US" dirty="0"/>
-              <a:t> </a:t>
             </a:r>
             <a:r>
               <a:rPr lang="en-US" dirty="0" err="1"/>
@@ -11095,71 +10778,6 @@
     <p:extLst>
       <p:ext uri="{BB962C8B-B14F-4D97-AF65-F5344CB8AC3E}">
         <p14:creationId xmlns:p14="http://schemas.microsoft.com/office/powerpoint/2010/main" val="866838001"/>
-      </p:ext>
-    </p:extLst>
-  </p:cSld>
-  <p:clrMapOvr>
-    <a:masterClrMapping/>
-  </p:clrMapOvr>
-</p:sld>
-</file>
-
-<file path=ppt/slides/slide9.xml><?xml version="1.0" encoding="utf-8"?>
-<p:sld xmlns:a="http://schemas.openxmlformats.org/drawingml/2006/main" xmlns:r="http://schemas.openxmlformats.org/officeDocument/2006/relationships" xmlns:p="http://schemas.openxmlformats.org/presentationml/2006/main">
-  <p:cSld>
-    <p:spTree>
-      <p:nvGrpSpPr>
-        <p:cNvPr id="1" name=""/>
-        <p:cNvGrpSpPr/>
-        <p:nvPr/>
-      </p:nvGrpSpPr>
-      <p:grpSpPr>
-        <a:xfrm>
-          <a:off x="0" y="0"/>
-          <a:ext cx="0" cy="0"/>
-          <a:chOff x="0" y="0"/>
-          <a:chExt cx="0" cy="0"/>
-        </a:xfrm>
-      </p:grpSpPr>
-      <p:pic>
-        <p:nvPicPr>
-          <p:cNvPr id="5" name="Content Placeholder 4" descr="Chart, bar chart&#10;&#10;Description automatically generated">
-            <a:extLst>
-              <a:ext uri="{FF2B5EF4-FFF2-40B4-BE49-F238E27FC236}">
-                <a16:creationId xmlns:a16="http://schemas.microsoft.com/office/drawing/2014/main" id="{E432E6F8-ED71-4C43-8B78-BB28D48E3654}"/>
-              </a:ext>
-            </a:extLst>
-          </p:cNvPr>
-          <p:cNvPicPr>
-            <a:picLocks noGrp="1" noChangeAspect="1"/>
-          </p:cNvPicPr>
-          <p:nvPr>
-            <p:ph idx="1"/>
-          </p:nvPr>
-        </p:nvPicPr>
-        <p:blipFill>
-          <a:blip r:embed="rId2">
-            <a:extLst>
-              <a:ext uri="{28A0092B-C50C-407E-A947-70E740481C1C}">
-                <a14:useLocalDpi xmlns:a14="http://schemas.microsoft.com/office/drawing/2010/main" val="0"/>
-              </a:ext>
-            </a:extLst>
-          </a:blip>
-          <a:stretch>
-            <a:fillRect/>
-          </a:stretch>
-        </p:blipFill>
-        <p:spPr>
-          <a:xfrm>
-            <a:off x="2530136" y="1123795"/>
-            <a:ext cx="9087839" cy="4530555"/>
-          </a:xfrm>
-        </p:spPr>
-      </p:pic>
-    </p:spTree>
-    <p:extLst>
-      <p:ext uri="{BB962C8B-B14F-4D97-AF65-F5344CB8AC3E}">
-        <p14:creationId xmlns:p14="http://schemas.microsoft.com/office/powerpoint/2010/main" val="3401003739"/>
       </p:ext>
     </p:extLst>
   </p:cSld>
